--- a/media/WorkAnniversaryLogo.pptx
+++ b/media/WorkAnniversaryLogo.pptx
@@ -2,29 +2,28 @@
 <file path=ppt/presentation.xml><?xml version="1.0" encoding="utf-8"?>
 <p:presentation xmlns:a="http://schemas.openxmlformats.org/drawingml/2006/main" xmlns:r="http://schemas.openxmlformats.org/officeDocument/2006/relationships" xmlns:p="http://schemas.openxmlformats.org/presentationml/2006/main" strictFirstAndLastChars="0" embedTrueTypeFonts="1" saveSubsetFonts="1" autoCompressPictures="0">
   <p:sldMasterIdLst>
-    <p:sldMasterId id="2147483658" r:id="rId1"/>
+    <p:sldMasterId id="2147483659" r:id="rId1"/>
   </p:sldMasterIdLst>
   <p:notesMasterIdLst>
-    <p:notesMasterId r:id="rId9"/>
+    <p:notesMasterId r:id="rId8"/>
   </p:notesMasterIdLst>
   <p:sldIdLst>
     <p:sldId id="256" r:id="rId2"/>
     <p:sldId id="257" r:id="rId3"/>
-    <p:sldId id="258" r:id="rId4"/>
-    <p:sldId id="259" r:id="rId5"/>
-    <p:sldId id="260" r:id="rId6"/>
+    <p:sldId id="260" r:id="rId4"/>
+    <p:sldId id="258" r:id="rId5"/>
+    <p:sldId id="259" r:id="rId6"/>
     <p:sldId id="261" r:id="rId7"/>
-    <p:sldId id="262" r:id="rId8"/>
   </p:sldIdLst>
   <p:sldSz cx="9144000" cy="5143500" type="screen16x9"/>
   <p:notesSz cx="6858000" cy="9144000"/>
   <p:embeddedFontLst>
     <p:embeddedFont>
       <p:font typeface="Century Gothic" panose="020B0502020202020204" pitchFamily="34" charset="0"/>
-      <p:regular r:id="rId10"/>
-      <p:bold r:id="rId11"/>
-      <p:italic r:id="rId12"/>
-      <p:boldItalic r:id="rId13"/>
+      <p:regular r:id="rId9"/>
+      <p:bold r:id="rId10"/>
+      <p:italic r:id="rId11"/>
+      <p:boldItalic r:id="rId12"/>
     </p:embeddedFont>
   </p:embeddedFontLst>
   <p:defaultTextStyle>
@@ -859,7 +858,7 @@
   <p:cSld>
     <p:spTree>
       <p:nvGrpSpPr>
-        <p:cNvPr id="1" name="Shape 47"/>
+        <p:cNvPr id="1" name="Shape 49"/>
         <p:cNvGrpSpPr/>
         <p:nvPr/>
       </p:nvGrpSpPr>
@@ -873,7 +872,7 @@
       </p:grpSpPr>
       <p:sp>
         <p:nvSpPr>
-          <p:cNvPr id="48" name="Google Shape;48;p1:notes"/>
+          <p:cNvPr id="50" name="Google Shape;50;p1:notes"/>
           <p:cNvSpPr>
             <a:spLocks noGrp="1" noRot="1" noChangeAspect="1"/>
           </p:cNvSpPr>
@@ -924,7 +923,7 @@
       </p:sp>
       <p:sp>
         <p:nvSpPr>
-          <p:cNvPr id="49" name="Google Shape;49;p1:notes"/>
+          <p:cNvPr id="51" name="Google Shape;51;p1:notes"/>
           <p:cNvSpPr txBox="1">
             <a:spLocks noGrp="1"/>
           </p:cNvSpPr>
@@ -981,7 +980,7 @@
   <p:cSld>
     <p:spTree>
       <p:nvGrpSpPr>
-        <p:cNvPr id="1" name="Shape 56"/>
+        <p:cNvPr id="1" name="Shape 58"/>
         <p:cNvGrpSpPr/>
         <p:nvPr/>
       </p:nvGrpSpPr>
@@ -995,7 +994,7 @@
       </p:grpSpPr>
       <p:sp>
         <p:nvSpPr>
-          <p:cNvPr id="57" name="Google Shape;57;p2:notes"/>
+          <p:cNvPr id="59" name="Google Shape;59;p2:notes"/>
           <p:cNvSpPr>
             <a:spLocks noGrp="1" noRot="1" noChangeAspect="1"/>
           </p:cNvSpPr>
@@ -1046,7 +1045,7 @@
       </p:sp>
       <p:sp>
         <p:nvSpPr>
-          <p:cNvPr id="58" name="Google Shape;58;p2:notes"/>
+          <p:cNvPr id="60" name="Google Shape;60;p2:notes"/>
           <p:cNvSpPr txBox="1">
             <a:spLocks noGrp="1"/>
           </p:cNvSpPr>
@@ -1103,7 +1102,7 @@
   <p:cSld>
     <p:spTree>
       <p:nvGrpSpPr>
-        <p:cNvPr id="1" name="Shape 63"/>
+        <p:cNvPr id="1" name="Shape 82"/>
         <p:cNvGrpSpPr/>
         <p:nvPr/>
       </p:nvGrpSpPr>
@@ -1117,7 +1116,111 @@
       </p:grpSpPr>
       <p:sp>
         <p:nvSpPr>
-          <p:cNvPr id="64" name="Google Shape;64;p3:notes"/>
+          <p:cNvPr id="83" name="Google Shape;83;g350a56cba27_0_11:notes"/>
+          <p:cNvSpPr>
+            <a:spLocks noGrp="1" noRot="1" noChangeAspect="1"/>
+          </p:cNvSpPr>
+          <p:nvPr>
+            <p:ph type="sldImg" idx="2"/>
+          </p:nvPr>
+        </p:nvSpPr>
+        <p:spPr>
+          <a:xfrm>
+            <a:off x="381000" y="685800"/>
+            <a:ext cx="6096000" cy="3429000"/>
+          </a:xfrm>
+          <a:custGeom>
+            <a:avLst/>
+            <a:gdLst/>
+            <a:ahLst/>
+            <a:cxnLst/>
+            <a:rect l="l" t="t" r="r" b="b"/>
+            <a:pathLst>
+              <a:path w="120000" h="120000" extrusionOk="0">
+                <a:moveTo>
+                  <a:pt x="0" y="0"/>
+                </a:moveTo>
+                <a:lnTo>
+                  <a:pt x="120000" y="0"/>
+                </a:lnTo>
+                <a:lnTo>
+                  <a:pt x="120000" y="120000"/>
+                </a:lnTo>
+                <a:lnTo>
+                  <a:pt x="0" y="120000"/>
+                </a:lnTo>
+                <a:close/>
+              </a:path>
+            </a:pathLst>
+          </a:custGeom>
+        </p:spPr>
+      </p:sp>
+      <p:sp>
+        <p:nvSpPr>
+          <p:cNvPr id="84" name="Google Shape;84;g350a56cba27_0_11:notes"/>
+          <p:cNvSpPr txBox="1">
+            <a:spLocks noGrp="1"/>
+          </p:cNvSpPr>
+          <p:nvPr>
+            <p:ph type="body" idx="1"/>
+          </p:nvPr>
+        </p:nvSpPr>
+        <p:spPr>
+          <a:xfrm>
+            <a:off x="685800" y="4343400"/>
+            <a:ext cx="5486400" cy="4114800"/>
+          </a:xfrm>
+          <a:prstGeom prst="rect">
+            <a:avLst/>
+          </a:prstGeom>
+        </p:spPr>
+        <p:txBody>
+          <a:bodyPr spcFirstLastPara="1" wrap="square" lIns="91425" tIns="91425" rIns="91425" bIns="91425" anchor="t" anchorCtr="0">
+            <a:noAutofit/>
+          </a:bodyPr>
+          <a:lstStyle/>
+          <a:p>
+            <a:pPr marL="0" lvl="0" indent="0" algn="l" rtl="0">
+              <a:spcBef>
+                <a:spcPts val="0"/>
+              </a:spcBef>
+              <a:spcAft>
+                <a:spcPts val="0"/>
+              </a:spcAft>
+              <a:buNone/>
+            </a:pPr>
+            <a:endParaRPr/>
+          </a:p>
+        </p:txBody>
+      </p:sp>
+    </p:spTree>
+  </p:cSld>
+  <p:clrMapOvr>
+    <a:masterClrMapping/>
+  </p:clrMapOvr>
+</p:notes>
+</file>
+
+<file path=ppt/notesSlides/notesSlide4.xml><?xml version="1.0" encoding="utf-8"?>
+<p:notes xmlns:a="http://schemas.openxmlformats.org/drawingml/2006/main" xmlns:r="http://schemas.openxmlformats.org/officeDocument/2006/relationships" xmlns:p="http://schemas.openxmlformats.org/presentationml/2006/main" showMasterSp="0" showMasterPhAnim="0">
+  <p:cSld>
+    <p:spTree>
+      <p:nvGrpSpPr>
+        <p:cNvPr id="1" name="Shape 65"/>
+        <p:cNvGrpSpPr/>
+        <p:nvPr/>
+      </p:nvGrpSpPr>
+      <p:grpSpPr>
+        <a:xfrm>
+          <a:off x="0" y="0"/>
+          <a:ext cx="0" cy="0"/>
+          <a:chOff x="0" y="0"/>
+          <a:chExt cx="0" cy="0"/>
+        </a:xfrm>
+      </p:grpSpPr>
+      <p:sp>
+        <p:nvSpPr>
+          <p:cNvPr id="66" name="Google Shape;66;p3:notes"/>
           <p:cNvSpPr>
             <a:spLocks noGrp="1" noRot="1" noChangeAspect="1"/>
           </p:cNvSpPr>
@@ -1168,7 +1271,7 @@
       </p:sp>
       <p:sp>
         <p:nvSpPr>
-          <p:cNvPr id="65" name="Google Shape;65;p3:notes"/>
+          <p:cNvPr id="67" name="Google Shape;67;p3:notes"/>
           <p:cNvSpPr txBox="1">
             <a:spLocks noGrp="1"/>
           </p:cNvSpPr>
@@ -1220,12 +1323,12 @@
 </p:notes>
 </file>
 
-<file path=ppt/notesSlides/notesSlide4.xml><?xml version="1.0" encoding="utf-8"?>
+<file path=ppt/notesSlides/notesSlide5.xml><?xml version="1.0" encoding="utf-8"?>
 <p:notes xmlns:a="http://schemas.openxmlformats.org/drawingml/2006/main" xmlns:r="http://schemas.openxmlformats.org/officeDocument/2006/relationships" xmlns:p="http://schemas.openxmlformats.org/presentationml/2006/main" showMasterSp="0" showMasterPhAnim="0">
   <p:cSld>
     <p:spTree>
       <p:nvGrpSpPr>
-        <p:cNvPr id="1" name="Shape 71"/>
+        <p:cNvPr id="1" name="Shape 73"/>
         <p:cNvGrpSpPr/>
         <p:nvPr/>
       </p:nvGrpSpPr>
@@ -1239,7 +1342,7 @@
       </p:grpSpPr>
       <p:sp>
         <p:nvSpPr>
-          <p:cNvPr id="72" name="Google Shape;72;p4:notes"/>
+          <p:cNvPr id="74" name="Google Shape;74;p4:notes"/>
           <p:cNvSpPr>
             <a:spLocks noGrp="1" noRot="1" noChangeAspect="1"/>
           </p:cNvSpPr>
@@ -1290,7 +1393,7 @@
       </p:sp>
       <p:sp>
         <p:nvSpPr>
-          <p:cNvPr id="73" name="Google Shape;73;p4:notes"/>
+          <p:cNvPr id="75" name="Google Shape;75;p4:notes"/>
           <p:cNvSpPr txBox="1">
             <a:spLocks noGrp="1"/>
           </p:cNvSpPr>
@@ -1342,12 +1445,12 @@
 </p:notes>
 </file>
 
-<file path=ppt/notesSlides/notesSlide5.xml><?xml version="1.0" encoding="utf-8"?>
+<file path=ppt/notesSlides/notesSlide6.xml><?xml version="1.0" encoding="utf-8"?>
 <p:notes xmlns:a="http://schemas.openxmlformats.org/drawingml/2006/main" xmlns:r="http://schemas.openxmlformats.org/officeDocument/2006/relationships" xmlns:p="http://schemas.openxmlformats.org/presentationml/2006/main" showMasterSp="0" showMasterPhAnim="0">
   <p:cSld>
     <p:spTree>
       <p:nvGrpSpPr>
-        <p:cNvPr id="1" name="Shape 80"/>
+        <p:cNvPr id="1" name="Shape 86"/>
         <p:cNvGrpSpPr/>
         <p:nvPr/>
       </p:nvGrpSpPr>
@@ -1361,129 +1464,7 @@
       </p:grpSpPr>
       <p:sp>
         <p:nvSpPr>
-          <p:cNvPr id="81" name="Google Shape;81;g350a56cba27_0_0:notes"/>
-          <p:cNvSpPr>
-            <a:spLocks noGrp="1" noRot="1" noChangeAspect="1"/>
-          </p:cNvSpPr>
-          <p:nvPr>
-            <p:ph type="sldImg" idx="2"/>
-          </p:nvPr>
-        </p:nvSpPr>
-        <p:spPr>
-          <a:xfrm>
-            <a:off x="381000" y="685800"/>
-            <a:ext cx="6096000" cy="3429000"/>
-          </a:xfrm>
-          <a:custGeom>
-            <a:avLst/>
-            <a:gdLst/>
-            <a:ahLst/>
-            <a:cxnLst/>
-            <a:rect l="l" t="t" r="r" b="b"/>
-            <a:pathLst>
-              <a:path w="120000" h="120000" extrusionOk="0">
-                <a:moveTo>
-                  <a:pt x="0" y="0"/>
-                </a:moveTo>
-                <a:lnTo>
-                  <a:pt x="120000" y="0"/>
-                </a:lnTo>
-                <a:lnTo>
-                  <a:pt x="120000" y="120000"/>
-                </a:lnTo>
-                <a:lnTo>
-                  <a:pt x="0" y="120000"/>
-                </a:lnTo>
-                <a:close/>
-              </a:path>
-            </a:pathLst>
-          </a:custGeom>
-          <a:noFill/>
-          <a:ln w="9525" cap="flat" cmpd="sng">
-            <a:solidFill>
-              <a:srgbClr val="000000"/>
-            </a:solidFill>
-            <a:prstDash val="solid"/>
-            <a:round/>
-            <a:headEnd type="none" w="sm" len="sm"/>
-            <a:tailEnd type="none" w="sm" len="sm"/>
-          </a:ln>
-        </p:spPr>
-      </p:sp>
-      <p:sp>
-        <p:nvSpPr>
-          <p:cNvPr id="82" name="Google Shape;82;g350a56cba27_0_0:notes"/>
-          <p:cNvSpPr txBox="1">
-            <a:spLocks noGrp="1"/>
-          </p:cNvSpPr>
-          <p:nvPr>
-            <p:ph type="body" idx="1"/>
-          </p:nvPr>
-        </p:nvSpPr>
-        <p:spPr>
-          <a:xfrm>
-            <a:off x="685800" y="4343400"/>
-            <a:ext cx="5486400" cy="4114800"/>
-          </a:xfrm>
-          <a:prstGeom prst="rect">
-            <a:avLst/>
-          </a:prstGeom>
-          <a:noFill/>
-          <a:ln>
-            <a:noFill/>
-          </a:ln>
-        </p:spPr>
-        <p:txBody>
-          <a:bodyPr spcFirstLastPara="1" wrap="square" lIns="91425" tIns="91425" rIns="91425" bIns="91425" anchor="t" anchorCtr="0">
-            <a:noAutofit/>
-          </a:bodyPr>
-          <a:lstStyle/>
-          <a:p>
-            <a:pPr marL="0" lvl="0" indent="0" algn="l" rtl="0">
-              <a:lnSpc>
-                <a:spcPct val="100000"/>
-              </a:lnSpc>
-              <a:spcBef>
-                <a:spcPts val="0"/>
-              </a:spcBef>
-              <a:spcAft>
-                <a:spcPts val="0"/>
-              </a:spcAft>
-              <a:buSzPts val="1100"/>
-              <a:buNone/>
-            </a:pPr>
-            <a:endParaRPr/>
-          </a:p>
-        </p:txBody>
-      </p:sp>
-    </p:spTree>
-  </p:cSld>
-  <p:clrMapOvr>
-    <a:masterClrMapping/>
-  </p:clrMapOvr>
-</p:notes>
-</file>
-
-<file path=ppt/notesSlides/notesSlide6.xml><?xml version="1.0" encoding="utf-8"?>
-<p:notes xmlns:a="http://schemas.openxmlformats.org/drawingml/2006/main" xmlns:r="http://schemas.openxmlformats.org/officeDocument/2006/relationships" xmlns:p="http://schemas.openxmlformats.org/presentationml/2006/main" showMasterSp="0" showMasterPhAnim="0">
-  <p:cSld>
-    <p:spTree>
-      <p:nvGrpSpPr>
-        <p:cNvPr id="1" name="Shape 88"/>
-        <p:cNvGrpSpPr/>
-        <p:nvPr/>
-      </p:nvGrpSpPr>
-      <p:grpSpPr>
-        <a:xfrm>
-          <a:off x="0" y="0"/>
-          <a:ext cx="0" cy="0"/>
-          <a:chOff x="0" y="0"/>
-          <a:chExt cx="0" cy="0"/>
-        </a:xfrm>
-      </p:grpSpPr>
-      <p:sp>
-        <p:nvSpPr>
-          <p:cNvPr id="89" name="Google Shape;89;g350a56cba27_0_8:notes"/>
+          <p:cNvPr id="87" name="Google Shape;87;g350a56cba27_0_8:notes"/>
           <p:cNvSpPr>
             <a:spLocks noGrp="1" noRot="1" noChangeAspect="1"/>
           </p:cNvSpPr>
@@ -1524,7 +1505,7 @@
       </p:sp>
       <p:sp>
         <p:nvSpPr>
-          <p:cNvPr id="90" name="Google Shape;90;g350a56cba27_0_8:notes"/>
+          <p:cNvPr id="88" name="Google Shape;88;g350a56cba27_0_8:notes"/>
           <p:cNvSpPr txBox="1">
             <a:spLocks noGrp="1"/>
           </p:cNvSpPr>
@@ -1568,136 +1549,22 @@
 </p:notes>
 </file>
 
-<file path=ppt/notesSlides/notesSlide7.xml><?xml version="1.0" encoding="utf-8"?>
-<p:notes xmlns:a="http://schemas.openxmlformats.org/drawingml/2006/main" xmlns:r="http://schemas.openxmlformats.org/officeDocument/2006/relationships" xmlns:p="http://schemas.openxmlformats.org/presentationml/2006/main" showMasterSp="0" showMasterPhAnim="0">
-  <p:cSld>
-    <p:spTree>
-      <p:nvGrpSpPr>
-        <p:cNvPr id="1" name="Shape 70"/>
-        <p:cNvGrpSpPr/>
-        <p:nvPr/>
-      </p:nvGrpSpPr>
-      <p:grpSpPr>
-        <a:xfrm>
-          <a:off x="0" y="0"/>
-          <a:ext cx="0" cy="0"/>
-          <a:chOff x="0" y="0"/>
-          <a:chExt cx="0" cy="0"/>
-        </a:xfrm>
-      </p:grpSpPr>
-      <p:sp>
-        <p:nvSpPr>
-          <p:cNvPr id="71" name="Google Shape;71;p12:notes"/>
-          <p:cNvSpPr>
-            <a:spLocks noGrp="1" noRot="1" noChangeAspect="1"/>
-          </p:cNvSpPr>
-          <p:nvPr>
-            <p:ph type="sldImg" idx="2"/>
-          </p:nvPr>
-        </p:nvSpPr>
-        <p:spPr>
-          <a:xfrm>
-            <a:off x="381000" y="685800"/>
-            <a:ext cx="6096000" cy="3429000"/>
-          </a:xfrm>
-          <a:custGeom>
-            <a:avLst/>
-            <a:gdLst/>
-            <a:ahLst/>
-            <a:cxnLst/>
-            <a:rect l="l" t="t" r="r" b="b"/>
-            <a:pathLst>
-              <a:path w="120000" h="120000" extrusionOk="0">
-                <a:moveTo>
-                  <a:pt x="0" y="0"/>
-                </a:moveTo>
-                <a:lnTo>
-                  <a:pt x="120000" y="0"/>
-                </a:lnTo>
-                <a:lnTo>
-                  <a:pt x="120000" y="120000"/>
-                </a:lnTo>
-                <a:lnTo>
-                  <a:pt x="0" y="120000"/>
-                </a:lnTo>
-                <a:close/>
-              </a:path>
-            </a:pathLst>
-          </a:custGeom>
-          <a:noFill/>
-          <a:ln w="9525" cap="flat" cmpd="sng">
-            <a:solidFill>
-              <a:srgbClr val="000000"/>
-            </a:solidFill>
-            <a:prstDash val="solid"/>
-            <a:round/>
-            <a:headEnd type="none" w="sm" len="sm"/>
-            <a:tailEnd type="none" w="sm" len="sm"/>
-          </a:ln>
-        </p:spPr>
-      </p:sp>
-      <p:sp>
-        <p:nvSpPr>
-          <p:cNvPr id="72" name="Google Shape;72;p12:notes"/>
-          <p:cNvSpPr txBox="1">
-            <a:spLocks noGrp="1"/>
-          </p:cNvSpPr>
-          <p:nvPr>
-            <p:ph type="body" idx="1"/>
-          </p:nvPr>
-        </p:nvSpPr>
-        <p:spPr>
-          <a:xfrm>
-            <a:off x="685800" y="4343400"/>
-            <a:ext cx="5486400" cy="4114800"/>
-          </a:xfrm>
-          <a:prstGeom prst="rect">
-            <a:avLst/>
-          </a:prstGeom>
-          <a:noFill/>
-          <a:ln>
-            <a:noFill/>
-          </a:ln>
-        </p:spPr>
-        <p:txBody>
-          <a:bodyPr spcFirstLastPara="1" wrap="square" lIns="91425" tIns="91425" rIns="91425" bIns="91425" anchor="t" anchorCtr="0">
-            <a:noAutofit/>
-          </a:bodyPr>
-          <a:lstStyle/>
-          <a:p>
-            <a:pPr marL="0" lvl="0" indent="0" algn="l" rtl="0">
-              <a:lnSpc>
-                <a:spcPct val="100000"/>
-              </a:lnSpc>
-              <a:spcBef>
-                <a:spcPts val="0"/>
-              </a:spcBef>
-              <a:spcAft>
-                <a:spcPts val="0"/>
-              </a:spcAft>
-              <a:buSzPts val="1100"/>
-              <a:buNone/>
-            </a:pPr>
-            <a:endParaRPr/>
-          </a:p>
-        </p:txBody>
-      </p:sp>
-    </p:spTree>
-    <p:extLst>
-      <p:ext uri="{BB962C8B-B14F-4D97-AF65-F5344CB8AC3E}">
-        <p14:creationId xmlns:p14="http://schemas.microsoft.com/office/powerpoint/2010/main" val="3268819091"/>
-      </p:ext>
-    </p:extLst>
-  </p:cSld>
-  <p:clrMapOvr>
-    <a:masterClrMapping/>
-  </p:clrMapOvr>
-</p:notes>
-</file>
-
 <file path=ppt/slideLayouts/slideLayout1.xml><?xml version="1.0" encoding="utf-8"?>
 <p:sldLayout xmlns:a="http://schemas.openxmlformats.org/drawingml/2006/main" xmlns:r="http://schemas.openxmlformats.org/officeDocument/2006/relationships" xmlns:p="http://schemas.openxmlformats.org/presentationml/2006/main" matchingName="Title slide" type="title">
   <p:cSld name="TITLE">
+    <p:bg>
+      <p:bgPr>
+        <a:blipFill>
+          <a:blip r:embed="rId2">
+            <a:alphaModFix/>
+          </a:blip>
+          <a:stretch>
+            <a:fillRect/>
+          </a:stretch>
+        </a:blipFill>
+        <a:effectLst/>
+      </p:bgPr>
+    </p:bg>
     <p:spTree>
       <p:nvGrpSpPr>
         <p:cNvPr id="1" name="Shape 9"/>
@@ -2044,7 +1911,7 @@
         </p:nvSpPr>
         <p:spPr>
           <a:xfrm>
-            <a:off x="8472458" y="4663217"/>
+            <a:off x="8341608" y="4578792"/>
             <a:ext cx="548700" cy="393600"/>
           </a:xfrm>
           <a:prstGeom prst="rect">
@@ -2640,6 +2507,325 @@
 </p:sldLayout>
 </file>
 
+<file path=ppt/slideLayouts/slideLayout11.xml><?xml version="1.0" encoding="utf-8"?>
+<p:sldLayout xmlns:a="http://schemas.openxmlformats.org/drawingml/2006/main" xmlns:r="http://schemas.openxmlformats.org/officeDocument/2006/relationships" xmlns:p="http://schemas.openxmlformats.org/presentationml/2006/main" matchingName="Blank 1">
+  <p:cSld name="BLANK_1">
+    <p:bg>
+      <p:bgPr>
+        <a:blipFill>
+          <a:blip r:embed="rId2">
+            <a:alphaModFix/>
+          </a:blip>
+          <a:stretch>
+            <a:fillRect/>
+          </a:stretch>
+        </a:blipFill>
+        <a:effectLst/>
+      </p:bgPr>
+    </p:bg>
+    <p:spTree>
+      <p:nvGrpSpPr>
+        <p:cNvPr id="1" name="Shape 47"/>
+        <p:cNvGrpSpPr/>
+        <p:nvPr/>
+      </p:nvGrpSpPr>
+      <p:grpSpPr>
+        <a:xfrm>
+          <a:off x="0" y="0"/>
+          <a:ext cx="0" cy="0"/>
+          <a:chOff x="0" y="0"/>
+          <a:chExt cx="0" cy="0"/>
+        </a:xfrm>
+      </p:grpSpPr>
+      <p:sp>
+        <p:nvSpPr>
+          <p:cNvPr id="48" name="Google Shape;48;p12"/>
+          <p:cNvSpPr txBox="1">
+            <a:spLocks noGrp="1"/>
+          </p:cNvSpPr>
+          <p:nvPr>
+            <p:ph type="sldNum" idx="12"/>
+          </p:nvPr>
+        </p:nvSpPr>
+        <p:spPr>
+          <a:xfrm>
+            <a:off x="8502658" y="4693417"/>
+            <a:ext cx="548700" cy="393600"/>
+          </a:xfrm>
+          <a:prstGeom prst="rect">
+            <a:avLst/>
+          </a:prstGeom>
+          <a:noFill/>
+          <a:ln>
+            <a:noFill/>
+          </a:ln>
+        </p:spPr>
+        <p:txBody>
+          <a:bodyPr spcFirstLastPara="1" wrap="square" lIns="91425" tIns="91425" rIns="91425" bIns="91425" anchor="ctr" anchorCtr="0">
+            <a:normAutofit/>
+          </a:bodyPr>
+          <a:lstStyle>
+            <a:lvl1pPr marL="0" marR="0" lvl="0" indent="0" algn="r">
+              <a:lnSpc>
+                <a:spcPct val="100000"/>
+              </a:lnSpc>
+              <a:spcBef>
+                <a:spcPts val="0"/>
+              </a:spcBef>
+              <a:spcAft>
+                <a:spcPts val="0"/>
+              </a:spcAft>
+              <a:buClr>
+                <a:srgbClr val="000000"/>
+              </a:buClr>
+              <a:buSzPts val="1000"/>
+              <a:buFont typeface="Arial"/>
+              <a:buNone/>
+              <a:defRPr sz="1000" b="0" i="0" u="none" strike="noStrike" cap="none">
+                <a:solidFill>
+                  <a:schemeClr val="dk2"/>
+                </a:solidFill>
+                <a:latin typeface="Arial"/>
+                <a:ea typeface="Arial"/>
+                <a:cs typeface="Arial"/>
+                <a:sym typeface="Arial"/>
+              </a:defRPr>
+            </a:lvl1pPr>
+            <a:lvl2pPr marL="0" marR="0" lvl="1" indent="0" algn="r">
+              <a:lnSpc>
+                <a:spcPct val="100000"/>
+              </a:lnSpc>
+              <a:spcBef>
+                <a:spcPts val="0"/>
+              </a:spcBef>
+              <a:spcAft>
+                <a:spcPts val="0"/>
+              </a:spcAft>
+              <a:buClr>
+                <a:srgbClr val="000000"/>
+              </a:buClr>
+              <a:buSzPts val="1000"/>
+              <a:buFont typeface="Arial"/>
+              <a:buNone/>
+              <a:defRPr sz="1000" b="0" i="0" u="none" strike="noStrike" cap="none">
+                <a:solidFill>
+                  <a:schemeClr val="dk2"/>
+                </a:solidFill>
+                <a:latin typeface="Arial"/>
+                <a:ea typeface="Arial"/>
+                <a:cs typeface="Arial"/>
+                <a:sym typeface="Arial"/>
+              </a:defRPr>
+            </a:lvl2pPr>
+            <a:lvl3pPr marL="0" marR="0" lvl="2" indent="0" algn="r">
+              <a:lnSpc>
+                <a:spcPct val="100000"/>
+              </a:lnSpc>
+              <a:spcBef>
+                <a:spcPts val="0"/>
+              </a:spcBef>
+              <a:spcAft>
+                <a:spcPts val="0"/>
+              </a:spcAft>
+              <a:buClr>
+                <a:srgbClr val="000000"/>
+              </a:buClr>
+              <a:buSzPts val="1000"/>
+              <a:buFont typeface="Arial"/>
+              <a:buNone/>
+              <a:defRPr sz="1000" b="0" i="0" u="none" strike="noStrike" cap="none">
+                <a:solidFill>
+                  <a:schemeClr val="dk2"/>
+                </a:solidFill>
+                <a:latin typeface="Arial"/>
+                <a:ea typeface="Arial"/>
+                <a:cs typeface="Arial"/>
+                <a:sym typeface="Arial"/>
+              </a:defRPr>
+            </a:lvl3pPr>
+            <a:lvl4pPr marL="0" marR="0" lvl="3" indent="0" algn="r">
+              <a:lnSpc>
+                <a:spcPct val="100000"/>
+              </a:lnSpc>
+              <a:spcBef>
+                <a:spcPts val="0"/>
+              </a:spcBef>
+              <a:spcAft>
+                <a:spcPts val="0"/>
+              </a:spcAft>
+              <a:buClr>
+                <a:srgbClr val="000000"/>
+              </a:buClr>
+              <a:buSzPts val="1000"/>
+              <a:buFont typeface="Arial"/>
+              <a:buNone/>
+              <a:defRPr sz="1000" b="0" i="0" u="none" strike="noStrike" cap="none">
+                <a:solidFill>
+                  <a:schemeClr val="dk2"/>
+                </a:solidFill>
+                <a:latin typeface="Arial"/>
+                <a:ea typeface="Arial"/>
+                <a:cs typeface="Arial"/>
+                <a:sym typeface="Arial"/>
+              </a:defRPr>
+            </a:lvl4pPr>
+            <a:lvl5pPr marL="0" marR="0" lvl="4" indent="0" algn="r">
+              <a:lnSpc>
+                <a:spcPct val="100000"/>
+              </a:lnSpc>
+              <a:spcBef>
+                <a:spcPts val="0"/>
+              </a:spcBef>
+              <a:spcAft>
+                <a:spcPts val="0"/>
+              </a:spcAft>
+              <a:buClr>
+                <a:srgbClr val="000000"/>
+              </a:buClr>
+              <a:buSzPts val="1000"/>
+              <a:buFont typeface="Arial"/>
+              <a:buNone/>
+              <a:defRPr sz="1000" b="0" i="0" u="none" strike="noStrike" cap="none">
+                <a:solidFill>
+                  <a:schemeClr val="dk2"/>
+                </a:solidFill>
+                <a:latin typeface="Arial"/>
+                <a:ea typeface="Arial"/>
+                <a:cs typeface="Arial"/>
+                <a:sym typeface="Arial"/>
+              </a:defRPr>
+            </a:lvl5pPr>
+            <a:lvl6pPr marL="0" marR="0" lvl="5" indent="0" algn="r">
+              <a:lnSpc>
+                <a:spcPct val="100000"/>
+              </a:lnSpc>
+              <a:spcBef>
+                <a:spcPts val="0"/>
+              </a:spcBef>
+              <a:spcAft>
+                <a:spcPts val="0"/>
+              </a:spcAft>
+              <a:buClr>
+                <a:srgbClr val="000000"/>
+              </a:buClr>
+              <a:buSzPts val="1000"/>
+              <a:buFont typeface="Arial"/>
+              <a:buNone/>
+              <a:defRPr sz="1000" b="0" i="0" u="none" strike="noStrike" cap="none">
+                <a:solidFill>
+                  <a:schemeClr val="dk2"/>
+                </a:solidFill>
+                <a:latin typeface="Arial"/>
+                <a:ea typeface="Arial"/>
+                <a:cs typeface="Arial"/>
+                <a:sym typeface="Arial"/>
+              </a:defRPr>
+            </a:lvl6pPr>
+            <a:lvl7pPr marL="0" marR="0" lvl="6" indent="0" algn="r">
+              <a:lnSpc>
+                <a:spcPct val="100000"/>
+              </a:lnSpc>
+              <a:spcBef>
+                <a:spcPts val="0"/>
+              </a:spcBef>
+              <a:spcAft>
+                <a:spcPts val="0"/>
+              </a:spcAft>
+              <a:buClr>
+                <a:srgbClr val="000000"/>
+              </a:buClr>
+              <a:buSzPts val="1000"/>
+              <a:buFont typeface="Arial"/>
+              <a:buNone/>
+              <a:defRPr sz="1000" b="0" i="0" u="none" strike="noStrike" cap="none">
+                <a:solidFill>
+                  <a:schemeClr val="dk2"/>
+                </a:solidFill>
+                <a:latin typeface="Arial"/>
+                <a:ea typeface="Arial"/>
+                <a:cs typeface="Arial"/>
+                <a:sym typeface="Arial"/>
+              </a:defRPr>
+            </a:lvl7pPr>
+            <a:lvl8pPr marL="0" marR="0" lvl="7" indent="0" algn="r">
+              <a:lnSpc>
+                <a:spcPct val="100000"/>
+              </a:lnSpc>
+              <a:spcBef>
+                <a:spcPts val="0"/>
+              </a:spcBef>
+              <a:spcAft>
+                <a:spcPts val="0"/>
+              </a:spcAft>
+              <a:buClr>
+                <a:srgbClr val="000000"/>
+              </a:buClr>
+              <a:buSzPts val="1000"/>
+              <a:buFont typeface="Arial"/>
+              <a:buNone/>
+              <a:defRPr sz="1000" b="0" i="0" u="none" strike="noStrike" cap="none">
+                <a:solidFill>
+                  <a:schemeClr val="dk2"/>
+                </a:solidFill>
+                <a:latin typeface="Arial"/>
+                <a:ea typeface="Arial"/>
+                <a:cs typeface="Arial"/>
+                <a:sym typeface="Arial"/>
+              </a:defRPr>
+            </a:lvl8pPr>
+            <a:lvl9pPr marL="0" marR="0" lvl="8" indent="0" algn="r">
+              <a:lnSpc>
+                <a:spcPct val="100000"/>
+              </a:lnSpc>
+              <a:spcBef>
+                <a:spcPts val="0"/>
+              </a:spcBef>
+              <a:spcAft>
+                <a:spcPts val="0"/>
+              </a:spcAft>
+              <a:buClr>
+                <a:srgbClr val="000000"/>
+              </a:buClr>
+              <a:buSzPts val="1000"/>
+              <a:buFont typeface="Arial"/>
+              <a:buNone/>
+              <a:defRPr sz="1000" b="0" i="0" u="none" strike="noStrike" cap="none">
+                <a:solidFill>
+                  <a:schemeClr val="dk2"/>
+                </a:solidFill>
+                <a:latin typeface="Arial"/>
+                <a:ea typeface="Arial"/>
+                <a:cs typeface="Arial"/>
+                <a:sym typeface="Arial"/>
+              </a:defRPr>
+            </a:lvl9pPr>
+          </a:lstStyle>
+          <a:p>
+            <a:pPr marL="0" lvl="0" indent="0" algn="r" rtl="0">
+              <a:spcBef>
+                <a:spcPts val="0"/>
+              </a:spcBef>
+              <a:spcAft>
+                <a:spcPts val="0"/>
+              </a:spcAft>
+              <a:buNone/>
+            </a:pPr>
+            <a:fld id="{00000000-1234-1234-1234-123412341234}" type="slidenum">
+              <a:rPr lang="en-GB"/>
+              <a:t>‹#›</a:t>
+            </a:fld>
+            <a:endParaRPr/>
+          </a:p>
+        </p:txBody>
+      </p:sp>
+    </p:spTree>
+  </p:cSld>
+  <p:clrMapOvr>
+    <a:masterClrMapping/>
+  </p:clrMapOvr>
+</p:sldLayout>
+</file>
+
 <file path=ppt/slideLayouts/slideLayout2.xml><?xml version="1.0" encoding="utf-8"?>
 <p:sldLayout xmlns:a="http://schemas.openxmlformats.org/drawingml/2006/main" xmlns:r="http://schemas.openxmlformats.org/officeDocument/2006/relationships" xmlns:p="http://schemas.openxmlformats.org/presentationml/2006/main" matchingName="Title and body" type="tx">
   <p:cSld name="TITLE_AND_BODY">
@@ -8290,6 +8476,7 @@
     <p:sldLayoutId id="2147483655" r:id="rId8"/>
     <p:sldLayoutId id="2147483656" r:id="rId9"/>
     <p:sldLayoutId id="2147483657" r:id="rId10"/>
+    <p:sldLayoutId id="2147483658" r:id="rId11"/>
   </p:sldLayoutIdLst>
   <p:hf sldNum="0" hdr="0" ftr="0" dt="0"/>
   <p:txStyles>
@@ -9002,7 +9189,7 @@
     </p:bg>
     <p:spTree>
       <p:nvGrpSpPr>
-        <p:cNvPr id="1" name="Shape 50"/>
+        <p:cNvPr id="1" name="Shape 52"/>
         <p:cNvGrpSpPr/>
         <p:nvPr/>
       </p:nvGrpSpPr>
@@ -9016,7 +9203,7 @@
       </p:grpSpPr>
       <p:pic>
         <p:nvPicPr>
-          <p:cNvPr id="51" name="Google Shape;51;p12"/>
+          <p:cNvPr id="53" name="Google Shape;53;p13"/>
           <p:cNvPicPr preferRelativeResize="0"/>
           <p:nvPr/>
         </p:nvPicPr>
@@ -9043,7 +9230,7 @@
       </p:pic>
       <p:sp>
         <p:nvSpPr>
-          <p:cNvPr id="52" name="Google Shape;52;p12"/>
+          <p:cNvPr id="54" name="Google Shape;54;p13"/>
           <p:cNvSpPr txBox="1"/>
           <p:nvPr/>
         </p:nvSpPr>
@@ -9083,19 +9270,7 @@
               <a:buFont typeface="Arial"/>
               <a:buNone/>
             </a:pPr>
-            <a:r>
-              <a:rPr lang="en-GB" sz="2400" b="1" i="0" u="none" strike="noStrike" cap="none" dirty="0">
-                <a:solidFill>
-                  <a:srgbClr val="000000"/>
-                </a:solidFill>
-                <a:latin typeface="Century Gothic"/>
-                <a:ea typeface="Century Gothic"/>
-                <a:cs typeface="Century Gothic"/>
-                <a:sym typeface="Century Gothic"/>
-              </a:rPr>
-              <a:t>      Employee</a:t>
-            </a:r>
-            <a:endParaRPr sz="2400" b="1" i="0" u="none" strike="noStrike" cap="none" dirty="0">
+            <a:endParaRPr sz="2400" b="1" i="0" u="none" strike="noStrike" cap="none">
               <a:solidFill>
                 <a:srgbClr val="000000"/>
               </a:solidFill>
@@ -9123,7 +9298,7 @@
               <a:buFont typeface="Arial"/>
               <a:buNone/>
             </a:pPr>
-            <a:endParaRPr sz="2400" b="1" i="0" u="none" strike="noStrike" cap="none" dirty="0">
+            <a:endParaRPr sz="2400" b="1" i="0" u="none" strike="noStrike" cap="none">
               <a:solidFill>
                 <a:srgbClr val="000000"/>
               </a:solidFill>
@@ -9151,7 +9326,7 @@
               <a:buFont typeface="Arial"/>
               <a:buNone/>
             </a:pPr>
-            <a:endParaRPr sz="2400" b="1" i="0" u="none" strike="noStrike" cap="none" dirty="0">
+            <a:endParaRPr sz="2400" b="1" i="0" u="none" strike="noStrike" cap="none">
               <a:solidFill>
                 <a:srgbClr val="000000"/>
               </a:solidFill>
@@ -9179,7 +9354,7 @@
               <a:buFont typeface="Arial"/>
               <a:buNone/>
             </a:pPr>
-            <a:endParaRPr sz="2400" b="1" i="0" u="none" strike="noStrike" cap="none" dirty="0">
+            <a:endParaRPr sz="2400" b="1" i="0" u="none" strike="noStrike" cap="none">
               <a:solidFill>
                 <a:srgbClr val="000000"/>
               </a:solidFill>
@@ -9207,7 +9382,7 @@
               <a:buFont typeface="Arial"/>
               <a:buNone/>
             </a:pPr>
-            <a:endParaRPr sz="2400" b="1" i="0" u="none" strike="noStrike" cap="none" dirty="0">
+            <a:endParaRPr sz="2400" b="1" i="0" u="none" strike="noStrike" cap="none">
               <a:solidFill>
                 <a:srgbClr val="000000"/>
               </a:solidFill>
@@ -9235,7 +9410,7 @@
               <a:buFont typeface="Arial"/>
               <a:buNone/>
             </a:pPr>
-            <a:endParaRPr sz="2400" b="1" i="0" u="none" strike="noStrike" cap="none" dirty="0">
+            <a:endParaRPr sz="2400" b="1" i="0" u="none" strike="noStrike" cap="none">
               <a:solidFill>
                 <a:srgbClr val="000000"/>
               </a:solidFill>
@@ -9263,7 +9438,7 @@
               <a:buFont typeface="Arial"/>
               <a:buNone/>
             </a:pPr>
-            <a:endParaRPr sz="2400" b="1" i="0" u="none" strike="noStrike" cap="none" dirty="0">
+            <a:endParaRPr sz="2400" b="1" i="0" u="none" strike="noStrike" cap="none">
               <a:solidFill>
                 <a:srgbClr val="000000"/>
               </a:solidFill>
@@ -9291,7 +9466,7 @@
               <a:buFont typeface="Arial"/>
               <a:buNone/>
             </a:pPr>
-            <a:endParaRPr sz="2400" b="1" i="0" u="none" strike="noStrike" cap="none" dirty="0">
+            <a:endParaRPr sz="2400" b="1" i="0" u="none" strike="noStrike" cap="none">
               <a:solidFill>
                 <a:srgbClr val="000000"/>
               </a:solidFill>
@@ -9319,7 +9494,7 @@
               <a:buFont typeface="Arial"/>
               <a:buNone/>
             </a:pPr>
-            <a:endParaRPr sz="2400" b="1" i="0" u="none" strike="noStrike" cap="none" dirty="0">
+            <a:endParaRPr sz="2400" b="1" i="0" u="none" strike="noStrike" cap="none">
               <a:solidFill>
                 <a:srgbClr val="000000"/>
               </a:solidFill>
@@ -9347,7 +9522,7 @@
               <a:buFont typeface="Arial"/>
               <a:buNone/>
             </a:pPr>
-            <a:endParaRPr sz="2400" b="1" i="0" u="none" strike="noStrike" cap="none" dirty="0">
+            <a:endParaRPr sz="2400" b="1" i="0" u="none" strike="noStrike" cap="none">
               <a:solidFill>
                 <a:srgbClr val="000000"/>
               </a:solidFill>
@@ -9375,7 +9550,7 @@
               <a:buFont typeface="Arial"/>
               <a:buNone/>
             </a:pPr>
-            <a:endParaRPr sz="2400" b="1" i="0" u="none" strike="noStrike" cap="none" dirty="0">
+            <a:endParaRPr sz="2400" b="1" i="0" u="none" strike="noStrike" cap="none">
               <a:solidFill>
                 <a:srgbClr val="000000"/>
               </a:solidFill>
@@ -9403,7 +9578,7 @@
               <a:buFont typeface="Arial"/>
               <a:buNone/>
             </a:pPr>
-            <a:endParaRPr sz="2400" b="1" i="0" u="none" strike="noStrike" cap="none" dirty="0">
+            <a:endParaRPr sz="2400" b="1" i="0" u="none" strike="noStrike" cap="none">
               <a:solidFill>
                 <a:srgbClr val="000000"/>
               </a:solidFill>
@@ -9431,7 +9606,7 @@
               <a:buFont typeface="Arial"/>
               <a:buNone/>
             </a:pPr>
-            <a:endParaRPr sz="2400" b="1" i="0" u="none" strike="noStrike" cap="none" dirty="0">
+            <a:endParaRPr sz="2400" b="1" i="0" u="none" strike="noStrike" cap="none">
               <a:solidFill>
                 <a:srgbClr val="000000"/>
               </a:solidFill>
@@ -9459,7 +9634,7 @@
               <a:buFont typeface="Arial"/>
               <a:buNone/>
             </a:pPr>
-            <a:endParaRPr sz="2400" b="1" i="0" u="none" strike="noStrike" cap="none" dirty="0">
+            <a:endParaRPr sz="2400" b="1" i="0" u="none" strike="noStrike" cap="none">
               <a:solidFill>
                 <a:srgbClr val="000000"/>
               </a:solidFill>
@@ -9487,7 +9662,7 @@
               <a:buFont typeface="Arial"/>
               <a:buNone/>
             </a:pPr>
-            <a:endParaRPr sz="2400" b="1" i="0" u="none" strike="noStrike" cap="none" dirty="0">
+            <a:endParaRPr sz="2400" b="1" i="0" u="none" strike="noStrike" cap="none">
               <a:solidFill>
                 <a:srgbClr val="000000"/>
               </a:solidFill>
@@ -9515,7 +9690,7 @@
               <a:buFont typeface="Arial"/>
               <a:buNone/>
             </a:pPr>
-            <a:endParaRPr sz="2400" b="1" i="0" u="none" strike="noStrike" cap="none" dirty="0">
+            <a:endParaRPr sz="2400" b="1" i="0" u="none" strike="noStrike" cap="none">
               <a:solidFill>
                 <a:srgbClr val="000000"/>
               </a:solidFill>
@@ -9543,7 +9718,7 @@
               <a:buFont typeface="Arial"/>
               <a:buNone/>
             </a:pPr>
-            <a:endParaRPr sz="2400" b="1" i="0" u="none" strike="noStrike" cap="none" dirty="0">
+            <a:endParaRPr sz="2400" b="1" i="0" u="none" strike="noStrike" cap="none">
               <a:solidFill>
                 <a:srgbClr val="000000"/>
               </a:solidFill>
@@ -9571,7 +9746,7 @@
               <a:buFont typeface="Arial"/>
               <a:buNone/>
             </a:pPr>
-            <a:endParaRPr sz="2400" b="1" i="0" u="none" strike="noStrike" cap="none" dirty="0">
+            <a:endParaRPr sz="2400" b="1" i="0" u="none" strike="noStrike" cap="none">
               <a:solidFill>
                 <a:srgbClr val="000000"/>
               </a:solidFill>
@@ -9599,7 +9774,7 @@
               <a:buFont typeface="Arial"/>
               <a:buNone/>
             </a:pPr>
-            <a:endParaRPr sz="2400" b="1" i="0" u="none" strike="noStrike" cap="none" dirty="0">
+            <a:endParaRPr sz="2400" b="1" i="0" u="none" strike="noStrike" cap="none">
               <a:solidFill>
                 <a:srgbClr val="000000"/>
               </a:solidFill>
@@ -9627,7 +9802,7 @@
               <a:buFont typeface="Arial"/>
               <a:buNone/>
             </a:pPr>
-            <a:endParaRPr sz="2400" b="1" i="0" u="none" strike="noStrike" cap="none" dirty="0">
+            <a:endParaRPr sz="2400" b="1" i="0" u="none" strike="noStrike" cap="none">
               <a:solidFill>
                 <a:srgbClr val="000000"/>
               </a:solidFill>
@@ -9641,7 +9816,7 @@
       </p:sp>
       <p:sp>
         <p:nvSpPr>
-          <p:cNvPr id="53" name="Google Shape;53;p12"/>
+          <p:cNvPr id="55" name="Google Shape;55;p13"/>
           <p:cNvSpPr/>
           <p:nvPr/>
         </p:nvSpPr>
@@ -9717,7 +9892,7 @@
       </p:sp>
       <p:sp>
         <p:nvSpPr>
-          <p:cNvPr id="54" name="Google Shape;54;p12"/>
+          <p:cNvPr id="56" name="Google Shape;56;p13"/>
           <p:cNvSpPr/>
           <p:nvPr/>
         </p:nvSpPr>
@@ -9793,7 +9968,7 @@
       </p:sp>
       <p:pic>
         <p:nvPicPr>
-          <p:cNvPr id="55" name="Google Shape;55;p12"/>
+          <p:cNvPr id="57" name="Google Shape;57;p13"/>
           <p:cNvPicPr preferRelativeResize="0"/>
           <p:nvPr/>
         </p:nvPicPr>
@@ -9806,7 +9981,7 @@
         </p:blipFill>
         <p:spPr>
           <a:xfrm>
-            <a:off x="3514775" y="906275"/>
+            <a:off x="3328795" y="906275"/>
             <a:ext cx="2676275" cy="2576775"/>
           </a:xfrm>
           <a:prstGeom prst="rect">
@@ -9844,7 +10019,7 @@
     </p:bg>
     <p:spTree>
       <p:nvGrpSpPr>
-        <p:cNvPr id="1" name="Shape 59"/>
+        <p:cNvPr id="1" name="Shape 61"/>
         <p:cNvGrpSpPr/>
         <p:nvPr/>
       </p:nvGrpSpPr>
@@ -9858,7 +10033,7 @@
       </p:grpSpPr>
       <p:pic>
         <p:nvPicPr>
-          <p:cNvPr id="60" name="Google Shape;60;p13"/>
+          <p:cNvPr id="62" name="Google Shape;62;p14"/>
           <p:cNvPicPr preferRelativeResize="0"/>
           <p:nvPr/>
         </p:nvPicPr>
@@ -9885,7 +10060,7 @@
       </p:pic>
       <p:sp>
         <p:nvSpPr>
-          <p:cNvPr id="61" name="Google Shape;61;p13"/>
+          <p:cNvPr id="63" name="Google Shape;63;p14"/>
           <p:cNvSpPr txBox="1"/>
           <p:nvPr/>
         </p:nvSpPr>
@@ -9935,7 +10110,7 @@
                 <a:cs typeface="Century Gothic"/>
                 <a:sym typeface="Century Gothic"/>
               </a:rPr>
-              <a:t>          Employee Name</a:t>
+              <a:t>          </a:t>
             </a:r>
             <a:endParaRPr sz="2400" b="1" i="0" u="none" strike="noStrike" cap="none">
               <a:solidFill>
@@ -10483,7 +10658,7 @@
       </p:sp>
       <p:pic>
         <p:nvPicPr>
-          <p:cNvPr id="62" name="Google Shape;62;p13"/>
+          <p:cNvPr id="64" name="Google Shape;64;p14"/>
           <p:cNvPicPr preferRelativeResize="0"/>
           <p:nvPr/>
         </p:nvPicPr>
@@ -10519,22 +10694,9 @@
 <file path=ppt/slides/slide3.xml><?xml version="1.0" encoding="utf-8"?>
 <p:sld xmlns:a="http://schemas.openxmlformats.org/drawingml/2006/main" xmlns:r="http://schemas.openxmlformats.org/officeDocument/2006/relationships" xmlns:p="http://schemas.openxmlformats.org/presentationml/2006/main">
   <p:cSld>
-    <p:bg>
-      <p:bgPr>
-        <a:blipFill>
-          <a:blip r:embed="rId3">
-            <a:alphaModFix/>
-          </a:blip>
-          <a:stretch>
-            <a:fillRect/>
-          </a:stretch>
-        </a:blipFill>
-        <a:effectLst/>
-      </p:bgPr>
-    </p:bg>
     <p:spTree>
       <p:nvGrpSpPr>
-        <p:cNvPr id="1" name="Shape 66"/>
+        <p:cNvPr id="1" name="Shape 85"/>
         <p:cNvGrpSpPr/>
         <p:nvPr/>
       </p:nvGrpSpPr>
@@ -10548,12 +10710,18 @@
       </p:grpSpPr>
       <p:pic>
         <p:nvPicPr>
-          <p:cNvPr id="67" name="Google Shape;67;p14"/>
+          <p:cNvPr id="2" name="Google Shape;72;p15">
+            <a:extLst>
+              <a:ext uri="{FF2B5EF4-FFF2-40B4-BE49-F238E27FC236}">
+                <a16:creationId xmlns:a16="http://schemas.microsoft.com/office/drawing/2014/main" id="{51C88F54-AD4D-83FB-6600-3144E64FCC87}"/>
+              </a:ext>
+            </a:extLst>
+          </p:cNvPr>
           <p:cNvPicPr preferRelativeResize="0"/>
           <p:nvPr/>
         </p:nvPicPr>
         <p:blipFill rotWithShape="1">
-          <a:blip r:embed="rId4">
+          <a:blip r:embed="rId3">
             <a:alphaModFix/>
           </a:blip>
           <a:srcRect/>
@@ -10561,267 +10729,7 @@
         </p:blipFill>
         <p:spPr>
           <a:xfrm>
-            <a:off x="979125" y="61725"/>
-            <a:ext cx="1659652" cy="1204576"/>
-          </a:xfrm>
-          <a:prstGeom prst="rect">
-            <a:avLst/>
-          </a:prstGeom>
-          <a:noFill/>
-          <a:ln>
-            <a:noFill/>
-          </a:ln>
-        </p:spPr>
-      </p:pic>
-      <p:sp>
-        <p:nvSpPr>
-          <p:cNvPr id="68" name="Google Shape;68;p14"/>
-          <p:cNvSpPr txBox="1"/>
-          <p:nvPr/>
-        </p:nvSpPr>
-        <p:spPr>
-          <a:xfrm>
-            <a:off x="2856450" y="3605025"/>
-            <a:ext cx="4190400" cy="2401200"/>
-          </a:xfrm>
-          <a:prstGeom prst="rect">
-            <a:avLst/>
-          </a:prstGeom>
-          <a:noFill/>
-          <a:ln>
-            <a:noFill/>
-          </a:ln>
-        </p:spPr>
-        <p:txBody>
-          <a:bodyPr spcFirstLastPara="1" wrap="square" lIns="91425" tIns="91425" rIns="91425" bIns="91425" anchor="t" anchorCtr="0">
-            <a:spAutoFit/>
-          </a:bodyPr>
-          <a:lstStyle/>
-          <a:p>
-            <a:pPr marL="0" marR="0" lvl="0" indent="0" algn="l" rtl="0">
-              <a:lnSpc>
-                <a:spcPct val="100000"/>
-              </a:lnSpc>
-              <a:spcBef>
-                <a:spcPts val="0"/>
-              </a:spcBef>
-              <a:spcAft>
-                <a:spcPts val="0"/>
-              </a:spcAft>
-              <a:buClr>
-                <a:schemeClr val="dk1"/>
-              </a:buClr>
-              <a:buSzPts val="1100"/>
-              <a:buFont typeface="Arial"/>
-              <a:buNone/>
-            </a:pPr>
-            <a:r>
-              <a:rPr lang="en-GB" sz="2400" b="1" i="0" u="none" strike="noStrike" cap="none">
-                <a:solidFill>
-                  <a:schemeClr val="dk1"/>
-                </a:solidFill>
-                <a:latin typeface="Century Gothic"/>
-                <a:ea typeface="Century Gothic"/>
-                <a:cs typeface="Century Gothic"/>
-                <a:sym typeface="Century Gothic"/>
-              </a:rPr>
-              <a:t>         Employee Name</a:t>
-            </a:r>
-            <a:endParaRPr sz="2400" b="1" i="0" u="none" strike="noStrike" cap="none">
-              <a:solidFill>
-                <a:schemeClr val="dk1"/>
-              </a:solidFill>
-              <a:latin typeface="Century Gothic"/>
-              <a:ea typeface="Century Gothic"/>
-              <a:cs typeface="Century Gothic"/>
-              <a:sym typeface="Century Gothic"/>
-            </a:endParaRPr>
-          </a:p>
-          <a:p>
-            <a:pPr marL="0" marR="0" lvl="0" indent="0" algn="ctr" rtl="0">
-              <a:lnSpc>
-                <a:spcPct val="100000"/>
-              </a:lnSpc>
-              <a:spcBef>
-                <a:spcPts val="0"/>
-              </a:spcBef>
-              <a:spcAft>
-                <a:spcPts val="0"/>
-              </a:spcAft>
-              <a:buClr>
-                <a:schemeClr val="dk1"/>
-              </a:buClr>
-              <a:buSzPts val="1100"/>
-              <a:buFont typeface="Arial"/>
-              <a:buNone/>
-            </a:pPr>
-            <a:endParaRPr sz="2400" b="1" i="0" u="none" strike="noStrike" cap="none">
-              <a:solidFill>
-                <a:srgbClr val="000000"/>
-              </a:solidFill>
-              <a:latin typeface="Century Gothic"/>
-              <a:ea typeface="Century Gothic"/>
-              <a:cs typeface="Century Gothic"/>
-              <a:sym typeface="Century Gothic"/>
-            </a:endParaRPr>
-          </a:p>
-          <a:p>
-            <a:pPr marL="0" marR="0" lvl="0" indent="0" algn="ctr" rtl="0">
-              <a:lnSpc>
-                <a:spcPct val="100000"/>
-              </a:lnSpc>
-              <a:spcBef>
-                <a:spcPts val="0"/>
-              </a:spcBef>
-              <a:spcAft>
-                <a:spcPts val="0"/>
-              </a:spcAft>
-              <a:buClr>
-                <a:schemeClr val="dk1"/>
-              </a:buClr>
-              <a:buSzPts val="1100"/>
-              <a:buFont typeface="Arial"/>
-              <a:buNone/>
-            </a:pPr>
-            <a:endParaRPr sz="2400" b="1" i="0" u="none" strike="noStrike" cap="none">
-              <a:solidFill>
-                <a:srgbClr val="000000"/>
-              </a:solidFill>
-              <a:latin typeface="Century Gothic"/>
-              <a:ea typeface="Century Gothic"/>
-              <a:cs typeface="Century Gothic"/>
-              <a:sym typeface="Century Gothic"/>
-            </a:endParaRPr>
-          </a:p>
-          <a:p>
-            <a:pPr marL="0" marR="0" lvl="0" indent="0" algn="ctr" rtl="0">
-              <a:lnSpc>
-                <a:spcPct val="100000"/>
-              </a:lnSpc>
-              <a:spcBef>
-                <a:spcPts val="0"/>
-              </a:spcBef>
-              <a:spcAft>
-                <a:spcPts val="0"/>
-              </a:spcAft>
-              <a:buClr>
-                <a:schemeClr val="dk1"/>
-              </a:buClr>
-              <a:buSzPts val="1100"/>
-              <a:buFont typeface="Arial"/>
-              <a:buNone/>
-            </a:pPr>
-            <a:endParaRPr sz="2400" b="1" i="0" u="none" strike="noStrike" cap="none">
-              <a:solidFill>
-                <a:srgbClr val="000000"/>
-              </a:solidFill>
-              <a:latin typeface="Century Gothic"/>
-              <a:ea typeface="Century Gothic"/>
-              <a:cs typeface="Century Gothic"/>
-              <a:sym typeface="Century Gothic"/>
-            </a:endParaRPr>
-          </a:p>
-          <a:p>
-            <a:pPr marL="0" marR="0" lvl="0" indent="0" algn="ctr" rtl="0">
-              <a:lnSpc>
-                <a:spcPct val="100000"/>
-              </a:lnSpc>
-              <a:spcBef>
-                <a:spcPts val="0"/>
-              </a:spcBef>
-              <a:spcAft>
-                <a:spcPts val="0"/>
-              </a:spcAft>
-              <a:buClr>
-                <a:schemeClr val="dk1"/>
-              </a:buClr>
-              <a:buSzPts val="1100"/>
-              <a:buFont typeface="Arial"/>
-              <a:buNone/>
-            </a:pPr>
-            <a:endParaRPr sz="2400" b="1" i="0" u="none" strike="noStrike" cap="none">
-              <a:solidFill>
-                <a:srgbClr val="000000"/>
-              </a:solidFill>
-              <a:latin typeface="Century Gothic"/>
-              <a:ea typeface="Century Gothic"/>
-              <a:cs typeface="Century Gothic"/>
-              <a:sym typeface="Century Gothic"/>
-            </a:endParaRPr>
-          </a:p>
-          <a:p>
-            <a:pPr marL="0" marR="0" lvl="0" indent="0" algn="ctr" rtl="0">
-              <a:lnSpc>
-                <a:spcPct val="100000"/>
-              </a:lnSpc>
-              <a:spcBef>
-                <a:spcPts val="0"/>
-              </a:spcBef>
-              <a:spcAft>
-                <a:spcPts val="0"/>
-              </a:spcAft>
-              <a:buClr>
-                <a:srgbClr val="000000"/>
-              </a:buClr>
-              <a:buSzPts val="2400"/>
-              <a:buFont typeface="Arial"/>
-              <a:buNone/>
-            </a:pPr>
-            <a:endParaRPr sz="2400" b="1" i="0" u="none" strike="noStrike" cap="none">
-              <a:solidFill>
-                <a:srgbClr val="000000"/>
-              </a:solidFill>
-              <a:latin typeface="Century Gothic"/>
-              <a:ea typeface="Century Gothic"/>
-              <a:cs typeface="Century Gothic"/>
-              <a:sym typeface="Century Gothic"/>
-            </a:endParaRPr>
-          </a:p>
-        </p:txBody>
-      </p:sp>
-      <p:pic>
-        <p:nvPicPr>
-          <p:cNvPr id="69" name="Google Shape;69;p14"/>
-          <p:cNvPicPr preferRelativeResize="0"/>
-          <p:nvPr/>
-        </p:nvPicPr>
-        <p:blipFill rotWithShape="1">
-          <a:blip r:embed="rId5">
-            <a:alphaModFix/>
-          </a:blip>
-          <a:srcRect/>
-          <a:stretch/>
-        </p:blipFill>
-        <p:spPr>
-          <a:xfrm>
-            <a:off x="3067825" y="735675"/>
-            <a:ext cx="3198375" cy="2983325"/>
-          </a:xfrm>
-          <a:prstGeom prst="rect">
-            <a:avLst/>
-          </a:prstGeom>
-          <a:noFill/>
-          <a:ln>
-            <a:noFill/>
-          </a:ln>
-        </p:spPr>
-      </p:pic>
-      <p:pic>
-        <p:nvPicPr>
-          <p:cNvPr id="70" name="Google Shape;70;p14"/>
-          <p:cNvPicPr preferRelativeResize="0"/>
-          <p:nvPr/>
-        </p:nvPicPr>
-        <p:blipFill rotWithShape="1">
-          <a:blip r:embed="rId6">
-            <a:alphaModFix/>
-          </a:blip>
-          <a:srcRect/>
-          <a:stretch/>
-        </p:blipFill>
-        <p:spPr>
-          <a:xfrm>
-            <a:off x="3406025" y="849638"/>
+            <a:off x="3141912" y="841889"/>
             <a:ext cx="2860175" cy="2755400"/>
           </a:xfrm>
           <a:prstGeom prst="rect">
@@ -10859,7 +10767,7 @@
     </p:bg>
     <p:spTree>
       <p:nvGrpSpPr>
-        <p:cNvPr id="1" name="Shape 74"/>
+        <p:cNvPr id="1" name="Shape 68"/>
         <p:cNvGrpSpPr/>
         <p:nvPr/>
       </p:nvGrpSpPr>
@@ -10873,7 +10781,311 @@
       </p:grpSpPr>
       <p:pic>
         <p:nvPicPr>
-          <p:cNvPr id="75" name="Google Shape;75;p15"/>
+          <p:cNvPr id="69" name="Google Shape;69;p15"/>
+          <p:cNvPicPr preferRelativeResize="0"/>
+          <p:nvPr/>
+        </p:nvPicPr>
+        <p:blipFill rotWithShape="1">
+          <a:blip r:embed="rId4">
+            <a:alphaModFix/>
+          </a:blip>
+          <a:srcRect/>
+          <a:stretch/>
+        </p:blipFill>
+        <p:spPr>
+          <a:xfrm>
+            <a:off x="979125" y="61725"/>
+            <a:ext cx="1659652" cy="1204576"/>
+          </a:xfrm>
+          <a:prstGeom prst="rect">
+            <a:avLst/>
+          </a:prstGeom>
+          <a:noFill/>
+          <a:ln>
+            <a:noFill/>
+          </a:ln>
+        </p:spPr>
+      </p:pic>
+      <p:sp>
+        <p:nvSpPr>
+          <p:cNvPr id="70" name="Google Shape;70;p15"/>
+          <p:cNvSpPr txBox="1"/>
+          <p:nvPr/>
+        </p:nvSpPr>
+        <p:spPr>
+          <a:xfrm>
+            <a:off x="2856450" y="3605025"/>
+            <a:ext cx="4190400" cy="2401200"/>
+          </a:xfrm>
+          <a:prstGeom prst="rect">
+            <a:avLst/>
+          </a:prstGeom>
+          <a:noFill/>
+          <a:ln>
+            <a:noFill/>
+          </a:ln>
+        </p:spPr>
+        <p:txBody>
+          <a:bodyPr spcFirstLastPara="1" wrap="square" lIns="91425" tIns="91425" rIns="91425" bIns="91425" anchor="t" anchorCtr="0">
+            <a:spAutoFit/>
+          </a:bodyPr>
+          <a:lstStyle/>
+          <a:p>
+            <a:pPr marL="0" marR="0" lvl="0" indent="0" algn="l" rtl="0">
+              <a:lnSpc>
+                <a:spcPct val="100000"/>
+              </a:lnSpc>
+              <a:spcBef>
+                <a:spcPts val="0"/>
+              </a:spcBef>
+              <a:spcAft>
+                <a:spcPts val="0"/>
+              </a:spcAft>
+              <a:buClr>
+                <a:schemeClr val="dk1"/>
+              </a:buClr>
+              <a:buSzPts val="1100"/>
+              <a:buFont typeface="Arial"/>
+              <a:buNone/>
+            </a:pPr>
+            <a:r>
+              <a:rPr lang="en-GB" sz="2400" b="1" i="0" u="none" strike="noStrike" cap="none">
+                <a:solidFill>
+                  <a:schemeClr val="dk1"/>
+                </a:solidFill>
+                <a:latin typeface="Century Gothic"/>
+                <a:ea typeface="Century Gothic"/>
+                <a:cs typeface="Century Gothic"/>
+                <a:sym typeface="Century Gothic"/>
+              </a:rPr>
+              <a:t>        </a:t>
+            </a:r>
+            <a:endParaRPr sz="2400" b="1" i="0" u="none" strike="noStrike" cap="none">
+              <a:solidFill>
+                <a:schemeClr val="dk1"/>
+              </a:solidFill>
+              <a:latin typeface="Century Gothic"/>
+              <a:ea typeface="Century Gothic"/>
+              <a:cs typeface="Century Gothic"/>
+              <a:sym typeface="Century Gothic"/>
+            </a:endParaRPr>
+          </a:p>
+          <a:p>
+            <a:pPr marL="0" marR="0" lvl="0" indent="0" algn="ctr" rtl="0">
+              <a:lnSpc>
+                <a:spcPct val="100000"/>
+              </a:lnSpc>
+              <a:spcBef>
+                <a:spcPts val="0"/>
+              </a:spcBef>
+              <a:spcAft>
+                <a:spcPts val="0"/>
+              </a:spcAft>
+              <a:buClr>
+                <a:schemeClr val="dk1"/>
+              </a:buClr>
+              <a:buSzPts val="1100"/>
+              <a:buFont typeface="Arial"/>
+              <a:buNone/>
+            </a:pPr>
+            <a:endParaRPr sz="2400" b="1" i="0" u="none" strike="noStrike" cap="none">
+              <a:solidFill>
+                <a:srgbClr val="000000"/>
+              </a:solidFill>
+              <a:latin typeface="Century Gothic"/>
+              <a:ea typeface="Century Gothic"/>
+              <a:cs typeface="Century Gothic"/>
+              <a:sym typeface="Century Gothic"/>
+            </a:endParaRPr>
+          </a:p>
+          <a:p>
+            <a:pPr marL="0" marR="0" lvl="0" indent="0" algn="ctr" rtl="0">
+              <a:lnSpc>
+                <a:spcPct val="100000"/>
+              </a:lnSpc>
+              <a:spcBef>
+                <a:spcPts val="0"/>
+              </a:spcBef>
+              <a:spcAft>
+                <a:spcPts val="0"/>
+              </a:spcAft>
+              <a:buClr>
+                <a:schemeClr val="dk1"/>
+              </a:buClr>
+              <a:buSzPts val="1100"/>
+              <a:buFont typeface="Arial"/>
+              <a:buNone/>
+            </a:pPr>
+            <a:endParaRPr sz="2400" b="1" i="0" u="none" strike="noStrike" cap="none">
+              <a:solidFill>
+                <a:srgbClr val="000000"/>
+              </a:solidFill>
+              <a:latin typeface="Century Gothic"/>
+              <a:ea typeface="Century Gothic"/>
+              <a:cs typeface="Century Gothic"/>
+              <a:sym typeface="Century Gothic"/>
+            </a:endParaRPr>
+          </a:p>
+          <a:p>
+            <a:pPr marL="0" marR="0" lvl="0" indent="0" algn="ctr" rtl="0">
+              <a:lnSpc>
+                <a:spcPct val="100000"/>
+              </a:lnSpc>
+              <a:spcBef>
+                <a:spcPts val="0"/>
+              </a:spcBef>
+              <a:spcAft>
+                <a:spcPts val="0"/>
+              </a:spcAft>
+              <a:buClr>
+                <a:schemeClr val="dk1"/>
+              </a:buClr>
+              <a:buSzPts val="1100"/>
+              <a:buFont typeface="Arial"/>
+              <a:buNone/>
+            </a:pPr>
+            <a:endParaRPr sz="2400" b="1" i="0" u="none" strike="noStrike" cap="none">
+              <a:solidFill>
+                <a:srgbClr val="000000"/>
+              </a:solidFill>
+              <a:latin typeface="Century Gothic"/>
+              <a:ea typeface="Century Gothic"/>
+              <a:cs typeface="Century Gothic"/>
+              <a:sym typeface="Century Gothic"/>
+            </a:endParaRPr>
+          </a:p>
+          <a:p>
+            <a:pPr marL="0" marR="0" lvl="0" indent="0" algn="ctr" rtl="0">
+              <a:lnSpc>
+                <a:spcPct val="100000"/>
+              </a:lnSpc>
+              <a:spcBef>
+                <a:spcPts val="0"/>
+              </a:spcBef>
+              <a:spcAft>
+                <a:spcPts val="0"/>
+              </a:spcAft>
+              <a:buClr>
+                <a:schemeClr val="dk1"/>
+              </a:buClr>
+              <a:buSzPts val="1100"/>
+              <a:buFont typeface="Arial"/>
+              <a:buNone/>
+            </a:pPr>
+            <a:endParaRPr sz="2400" b="1" i="0" u="none" strike="noStrike" cap="none">
+              <a:solidFill>
+                <a:srgbClr val="000000"/>
+              </a:solidFill>
+              <a:latin typeface="Century Gothic"/>
+              <a:ea typeface="Century Gothic"/>
+              <a:cs typeface="Century Gothic"/>
+              <a:sym typeface="Century Gothic"/>
+            </a:endParaRPr>
+          </a:p>
+          <a:p>
+            <a:pPr marL="0" marR="0" lvl="0" indent="0" algn="ctr" rtl="0">
+              <a:lnSpc>
+                <a:spcPct val="100000"/>
+              </a:lnSpc>
+              <a:spcBef>
+                <a:spcPts val="0"/>
+              </a:spcBef>
+              <a:spcAft>
+                <a:spcPts val="0"/>
+              </a:spcAft>
+              <a:buClr>
+                <a:srgbClr val="000000"/>
+              </a:buClr>
+              <a:buSzPts val="2400"/>
+              <a:buFont typeface="Arial"/>
+              <a:buNone/>
+            </a:pPr>
+            <a:endParaRPr sz="2400" b="1" i="0" u="none" strike="noStrike" cap="none">
+              <a:solidFill>
+                <a:srgbClr val="000000"/>
+              </a:solidFill>
+              <a:latin typeface="Century Gothic"/>
+              <a:ea typeface="Century Gothic"/>
+              <a:cs typeface="Century Gothic"/>
+              <a:sym typeface="Century Gothic"/>
+            </a:endParaRPr>
+          </a:p>
+        </p:txBody>
+      </p:sp>
+      <p:pic>
+        <p:nvPicPr>
+          <p:cNvPr id="3" name="Google Shape;81;p16">
+            <a:extLst>
+              <a:ext uri="{FF2B5EF4-FFF2-40B4-BE49-F238E27FC236}">
+                <a16:creationId xmlns:a16="http://schemas.microsoft.com/office/drawing/2014/main" id="{D4967910-1814-15E8-A7E6-6A686BBD0BF8}"/>
+              </a:ext>
+            </a:extLst>
+          </p:cNvPr>
+          <p:cNvPicPr preferRelativeResize="0"/>
+          <p:nvPr/>
+        </p:nvPicPr>
+        <p:blipFill rotWithShape="1">
+          <a:blip r:embed="rId5">
+            <a:alphaModFix/>
+          </a:blip>
+          <a:srcRect/>
+          <a:stretch/>
+        </p:blipFill>
+        <p:spPr>
+          <a:xfrm>
+            <a:off x="3422262" y="1065325"/>
+            <a:ext cx="2299475" cy="2370000"/>
+          </a:xfrm>
+          <a:prstGeom prst="rect">
+            <a:avLst/>
+          </a:prstGeom>
+          <a:noFill/>
+          <a:ln>
+            <a:noFill/>
+          </a:ln>
+        </p:spPr>
+      </p:pic>
+    </p:spTree>
+  </p:cSld>
+  <p:clrMapOvr>
+    <a:masterClrMapping/>
+  </p:clrMapOvr>
+</p:sld>
+</file>
+
+<file path=ppt/slides/slide5.xml><?xml version="1.0" encoding="utf-8"?>
+<p:sld xmlns:a="http://schemas.openxmlformats.org/drawingml/2006/main" xmlns:r="http://schemas.openxmlformats.org/officeDocument/2006/relationships" xmlns:p="http://schemas.openxmlformats.org/presentationml/2006/main">
+  <p:cSld>
+    <p:bg>
+      <p:bgPr>
+        <a:blipFill>
+          <a:blip r:embed="rId3">
+            <a:alphaModFix/>
+          </a:blip>
+          <a:stretch>
+            <a:fillRect/>
+          </a:stretch>
+        </a:blipFill>
+        <a:effectLst/>
+      </p:bgPr>
+    </p:bg>
+    <p:spTree>
+      <p:nvGrpSpPr>
+        <p:cNvPr id="1" name="Shape 76"/>
+        <p:cNvGrpSpPr/>
+        <p:nvPr/>
+      </p:nvGrpSpPr>
+      <p:grpSpPr>
+        <a:xfrm>
+          <a:off x="0" y="0"/>
+          <a:ext cx="0" cy="0"/>
+          <a:chOff x="0" y="0"/>
+          <a:chExt cx="0" cy="0"/>
+        </a:xfrm>
+      </p:grpSpPr>
+      <p:pic>
+        <p:nvPicPr>
+          <p:cNvPr id="77" name="Google Shape;77;p16"/>
           <p:cNvPicPr preferRelativeResize="0"/>
           <p:nvPr/>
         </p:nvPicPr>
@@ -10900,7 +11112,7 @@
       </p:pic>
       <p:sp>
         <p:nvSpPr>
-          <p:cNvPr id="76" name="Google Shape;76;p15"/>
+          <p:cNvPr id="78" name="Google Shape;78;p16"/>
           <p:cNvSpPr txBox="1"/>
           <p:nvPr/>
         </p:nvSpPr>
@@ -10950,7 +11162,7 @@
                 <a:cs typeface="Century Gothic"/>
                 <a:sym typeface="Century Gothic"/>
               </a:rPr>
-              <a:t> Employee Name</a:t>
+              <a:t> </a:t>
             </a:r>
             <a:endParaRPr sz="2400" b="1" i="0" u="none" strike="noStrike" cap="none">
               <a:solidFill>
@@ -11582,7 +11794,7 @@
       </p:sp>
       <p:sp>
         <p:nvSpPr>
-          <p:cNvPr id="77" name="Google Shape;77;p15"/>
+          <p:cNvPr id="79" name="Google Shape;79;p16"/>
           <p:cNvSpPr/>
           <p:nvPr/>
         </p:nvSpPr>
@@ -11658,7 +11870,7 @@
       </p:sp>
       <p:sp>
         <p:nvSpPr>
-          <p:cNvPr id="78" name="Google Shape;78;p15"/>
+          <p:cNvPr id="80" name="Google Shape;80;p16"/>
           <p:cNvSpPr/>
           <p:nvPr/>
         </p:nvSpPr>
@@ -11732,848 +11944,6 @@
           </a:p>
         </p:txBody>
       </p:sp>
-      <p:pic>
-        <p:nvPicPr>
-          <p:cNvPr id="79" name="Google Shape;79;p15"/>
-          <p:cNvPicPr preferRelativeResize="0"/>
-          <p:nvPr/>
-        </p:nvPicPr>
-        <p:blipFill rotWithShape="1">
-          <a:blip r:embed="rId5">
-            <a:alphaModFix/>
-          </a:blip>
-          <a:srcRect/>
-          <a:stretch/>
-        </p:blipFill>
-        <p:spPr>
-          <a:xfrm>
-            <a:off x="3490875" y="1065325"/>
-            <a:ext cx="2299475" cy="2370000"/>
-          </a:xfrm>
-          <a:prstGeom prst="rect">
-            <a:avLst/>
-          </a:prstGeom>
-          <a:noFill/>
-          <a:ln>
-            <a:noFill/>
-          </a:ln>
-        </p:spPr>
-      </p:pic>
-    </p:spTree>
-  </p:cSld>
-  <p:clrMapOvr>
-    <a:masterClrMapping/>
-  </p:clrMapOvr>
-</p:sld>
-</file>
-
-<file path=ppt/slides/slide5.xml><?xml version="1.0" encoding="utf-8"?>
-<p:sld xmlns:a="http://schemas.openxmlformats.org/drawingml/2006/main" xmlns:r="http://schemas.openxmlformats.org/officeDocument/2006/relationships" xmlns:p="http://schemas.openxmlformats.org/presentationml/2006/main">
-  <p:cSld>
-    <p:bg>
-      <p:bgPr>
-        <a:blipFill>
-          <a:blip r:embed="rId3">
-            <a:alphaModFix/>
-          </a:blip>
-          <a:stretch>
-            <a:fillRect/>
-          </a:stretch>
-        </a:blipFill>
-        <a:effectLst/>
-      </p:bgPr>
-    </p:bg>
-    <p:spTree>
-      <p:nvGrpSpPr>
-        <p:cNvPr id="1" name="Shape 83"/>
-        <p:cNvGrpSpPr/>
-        <p:nvPr/>
-      </p:nvGrpSpPr>
-      <p:grpSpPr>
-        <a:xfrm>
-          <a:off x="0" y="0"/>
-          <a:ext cx="0" cy="0"/>
-          <a:chOff x="0" y="0"/>
-          <a:chExt cx="0" cy="0"/>
-        </a:xfrm>
-      </p:grpSpPr>
-      <p:pic>
-        <p:nvPicPr>
-          <p:cNvPr id="84" name="Google Shape;84;p16"/>
-          <p:cNvPicPr preferRelativeResize="0"/>
-          <p:nvPr/>
-        </p:nvPicPr>
-        <p:blipFill rotWithShape="1">
-          <a:blip r:embed="rId4">
-            <a:alphaModFix/>
-          </a:blip>
-          <a:srcRect/>
-          <a:stretch/>
-        </p:blipFill>
-        <p:spPr>
-          <a:xfrm>
-            <a:off x="979125" y="214125"/>
-            <a:ext cx="1659648" cy="1106775"/>
-          </a:xfrm>
-          <a:prstGeom prst="rect">
-            <a:avLst/>
-          </a:prstGeom>
-          <a:noFill/>
-          <a:ln>
-            <a:noFill/>
-          </a:ln>
-        </p:spPr>
-      </p:pic>
-      <p:sp>
-        <p:nvSpPr>
-          <p:cNvPr id="85" name="Google Shape;85;p16"/>
-          <p:cNvSpPr txBox="1"/>
-          <p:nvPr/>
-        </p:nvSpPr>
-        <p:spPr>
-          <a:xfrm>
-            <a:off x="3198925" y="3483050"/>
-            <a:ext cx="4104300" cy="7572900"/>
-          </a:xfrm>
-          <a:prstGeom prst="rect">
-            <a:avLst/>
-          </a:prstGeom>
-          <a:noFill/>
-          <a:ln>
-            <a:noFill/>
-          </a:ln>
-        </p:spPr>
-        <p:txBody>
-          <a:bodyPr spcFirstLastPara="1" wrap="square" lIns="91425" tIns="91425" rIns="91425" bIns="91425" anchor="t" anchorCtr="0">
-            <a:spAutoFit/>
-          </a:bodyPr>
-          <a:lstStyle/>
-          <a:p>
-            <a:pPr marL="0" marR="0" lvl="0" indent="0" algn="l" rtl="0">
-              <a:lnSpc>
-                <a:spcPct val="100000"/>
-              </a:lnSpc>
-              <a:spcBef>
-                <a:spcPts val="0"/>
-              </a:spcBef>
-              <a:spcAft>
-                <a:spcPts val="0"/>
-              </a:spcAft>
-              <a:buClr>
-                <a:schemeClr val="dk1"/>
-              </a:buClr>
-              <a:buSzPts val="1100"/>
-              <a:buFont typeface="Arial"/>
-              <a:buNone/>
-            </a:pPr>
-            <a:r>
-              <a:rPr lang="en-GB" sz="2400" b="1" i="0" u="none" strike="noStrike" cap="none">
-                <a:solidFill>
-                  <a:srgbClr val="000000"/>
-                </a:solidFill>
-                <a:latin typeface="Century Gothic"/>
-                <a:ea typeface="Century Gothic"/>
-                <a:cs typeface="Century Gothic"/>
-                <a:sym typeface="Century Gothic"/>
-              </a:rPr>
-              <a:t>     </a:t>
-            </a:r>
-            <a:endParaRPr sz="2400" b="1" i="0" u="none" strike="noStrike" cap="none">
-              <a:solidFill>
-                <a:srgbClr val="000000"/>
-              </a:solidFill>
-              <a:latin typeface="Century Gothic"/>
-              <a:ea typeface="Century Gothic"/>
-              <a:cs typeface="Century Gothic"/>
-              <a:sym typeface="Century Gothic"/>
-            </a:endParaRPr>
-          </a:p>
-          <a:p>
-            <a:pPr marL="0" marR="0" lvl="0" indent="0" algn="l" rtl="0">
-              <a:lnSpc>
-                <a:spcPct val="100000"/>
-              </a:lnSpc>
-              <a:spcBef>
-                <a:spcPts val="0"/>
-              </a:spcBef>
-              <a:spcAft>
-                <a:spcPts val="0"/>
-              </a:spcAft>
-              <a:buClr>
-                <a:schemeClr val="dk1"/>
-              </a:buClr>
-              <a:buSzPts val="1100"/>
-              <a:buFont typeface="Arial"/>
-              <a:buNone/>
-            </a:pPr>
-            <a:endParaRPr sz="2400" b="1" i="0" u="none" strike="noStrike" cap="none">
-              <a:solidFill>
-                <a:srgbClr val="000000"/>
-              </a:solidFill>
-              <a:latin typeface="Century Gothic"/>
-              <a:ea typeface="Century Gothic"/>
-              <a:cs typeface="Century Gothic"/>
-              <a:sym typeface="Century Gothic"/>
-            </a:endParaRPr>
-          </a:p>
-          <a:p>
-            <a:pPr marL="0" marR="0" lvl="0" indent="0" algn="l" rtl="0">
-              <a:lnSpc>
-                <a:spcPct val="100000"/>
-              </a:lnSpc>
-              <a:spcBef>
-                <a:spcPts val="0"/>
-              </a:spcBef>
-              <a:spcAft>
-                <a:spcPts val="0"/>
-              </a:spcAft>
-              <a:buClr>
-                <a:schemeClr val="dk1"/>
-              </a:buClr>
-              <a:buSzPts val="1100"/>
-              <a:buFont typeface="Arial"/>
-              <a:buNone/>
-            </a:pPr>
-            <a:endParaRPr sz="2400" b="1" i="0" u="none" strike="noStrike" cap="none">
-              <a:solidFill>
-                <a:srgbClr val="000000"/>
-              </a:solidFill>
-              <a:latin typeface="Century Gothic"/>
-              <a:ea typeface="Century Gothic"/>
-              <a:cs typeface="Century Gothic"/>
-              <a:sym typeface="Century Gothic"/>
-            </a:endParaRPr>
-          </a:p>
-          <a:p>
-            <a:pPr marL="0" marR="0" lvl="0" indent="0" algn="l" rtl="0">
-              <a:lnSpc>
-                <a:spcPct val="100000"/>
-              </a:lnSpc>
-              <a:spcBef>
-                <a:spcPts val="0"/>
-              </a:spcBef>
-              <a:spcAft>
-                <a:spcPts val="0"/>
-              </a:spcAft>
-              <a:buClr>
-                <a:schemeClr val="dk1"/>
-              </a:buClr>
-              <a:buSzPts val="1100"/>
-              <a:buFont typeface="Arial"/>
-              <a:buNone/>
-            </a:pPr>
-            <a:endParaRPr sz="2400" b="1" i="0" u="none" strike="noStrike" cap="none">
-              <a:solidFill>
-                <a:srgbClr val="000000"/>
-              </a:solidFill>
-              <a:latin typeface="Century Gothic"/>
-              <a:ea typeface="Century Gothic"/>
-              <a:cs typeface="Century Gothic"/>
-              <a:sym typeface="Century Gothic"/>
-            </a:endParaRPr>
-          </a:p>
-          <a:p>
-            <a:pPr marL="0" marR="0" lvl="0" indent="0" algn="l" rtl="0">
-              <a:lnSpc>
-                <a:spcPct val="100000"/>
-              </a:lnSpc>
-              <a:spcBef>
-                <a:spcPts val="0"/>
-              </a:spcBef>
-              <a:spcAft>
-                <a:spcPts val="0"/>
-              </a:spcAft>
-              <a:buClr>
-                <a:schemeClr val="dk1"/>
-              </a:buClr>
-              <a:buSzPts val="1100"/>
-              <a:buFont typeface="Arial"/>
-              <a:buNone/>
-            </a:pPr>
-            <a:endParaRPr sz="2400" b="1" i="0" u="none" strike="noStrike" cap="none">
-              <a:solidFill>
-                <a:srgbClr val="000000"/>
-              </a:solidFill>
-              <a:latin typeface="Century Gothic"/>
-              <a:ea typeface="Century Gothic"/>
-              <a:cs typeface="Century Gothic"/>
-              <a:sym typeface="Century Gothic"/>
-            </a:endParaRPr>
-          </a:p>
-          <a:p>
-            <a:pPr marL="0" marR="0" lvl="0" indent="0" algn="l" rtl="0">
-              <a:lnSpc>
-                <a:spcPct val="100000"/>
-              </a:lnSpc>
-              <a:spcBef>
-                <a:spcPts val="0"/>
-              </a:spcBef>
-              <a:spcAft>
-                <a:spcPts val="0"/>
-              </a:spcAft>
-              <a:buClr>
-                <a:schemeClr val="dk1"/>
-              </a:buClr>
-              <a:buSzPts val="1100"/>
-              <a:buFont typeface="Arial"/>
-              <a:buNone/>
-            </a:pPr>
-            <a:endParaRPr sz="2400" b="1" i="0" u="none" strike="noStrike" cap="none">
-              <a:solidFill>
-                <a:srgbClr val="000000"/>
-              </a:solidFill>
-              <a:latin typeface="Century Gothic"/>
-              <a:ea typeface="Century Gothic"/>
-              <a:cs typeface="Century Gothic"/>
-              <a:sym typeface="Century Gothic"/>
-            </a:endParaRPr>
-          </a:p>
-          <a:p>
-            <a:pPr marL="0" marR="0" lvl="0" indent="0" algn="l" rtl="0">
-              <a:lnSpc>
-                <a:spcPct val="100000"/>
-              </a:lnSpc>
-              <a:spcBef>
-                <a:spcPts val="0"/>
-              </a:spcBef>
-              <a:spcAft>
-                <a:spcPts val="0"/>
-              </a:spcAft>
-              <a:buClr>
-                <a:schemeClr val="dk1"/>
-              </a:buClr>
-              <a:buSzPts val="1100"/>
-              <a:buFont typeface="Arial"/>
-              <a:buNone/>
-            </a:pPr>
-            <a:endParaRPr sz="2400" b="1" i="0" u="none" strike="noStrike" cap="none">
-              <a:solidFill>
-                <a:srgbClr val="000000"/>
-              </a:solidFill>
-              <a:latin typeface="Century Gothic"/>
-              <a:ea typeface="Century Gothic"/>
-              <a:cs typeface="Century Gothic"/>
-              <a:sym typeface="Century Gothic"/>
-            </a:endParaRPr>
-          </a:p>
-          <a:p>
-            <a:pPr marL="0" marR="0" lvl="0" indent="0" algn="l" rtl="0">
-              <a:lnSpc>
-                <a:spcPct val="100000"/>
-              </a:lnSpc>
-              <a:spcBef>
-                <a:spcPts val="0"/>
-              </a:spcBef>
-              <a:spcAft>
-                <a:spcPts val="0"/>
-              </a:spcAft>
-              <a:buClr>
-                <a:schemeClr val="dk1"/>
-              </a:buClr>
-              <a:buSzPts val="1100"/>
-              <a:buFont typeface="Arial"/>
-              <a:buNone/>
-            </a:pPr>
-            <a:endParaRPr sz="2400" b="1" i="0" u="none" strike="noStrike" cap="none">
-              <a:solidFill>
-                <a:srgbClr val="000000"/>
-              </a:solidFill>
-              <a:latin typeface="Century Gothic"/>
-              <a:ea typeface="Century Gothic"/>
-              <a:cs typeface="Century Gothic"/>
-              <a:sym typeface="Century Gothic"/>
-            </a:endParaRPr>
-          </a:p>
-          <a:p>
-            <a:pPr marL="0" marR="0" lvl="0" indent="0" algn="l" rtl="0">
-              <a:lnSpc>
-                <a:spcPct val="100000"/>
-              </a:lnSpc>
-              <a:spcBef>
-                <a:spcPts val="0"/>
-              </a:spcBef>
-              <a:spcAft>
-                <a:spcPts val="0"/>
-              </a:spcAft>
-              <a:buClr>
-                <a:schemeClr val="dk1"/>
-              </a:buClr>
-              <a:buSzPts val="1100"/>
-              <a:buFont typeface="Arial"/>
-              <a:buNone/>
-            </a:pPr>
-            <a:endParaRPr sz="2400" b="1" i="0" u="none" strike="noStrike" cap="none">
-              <a:solidFill>
-                <a:srgbClr val="000000"/>
-              </a:solidFill>
-              <a:latin typeface="Century Gothic"/>
-              <a:ea typeface="Century Gothic"/>
-              <a:cs typeface="Century Gothic"/>
-              <a:sym typeface="Century Gothic"/>
-            </a:endParaRPr>
-          </a:p>
-          <a:p>
-            <a:pPr marL="0" marR="0" lvl="0" indent="0" algn="l" rtl="0">
-              <a:lnSpc>
-                <a:spcPct val="100000"/>
-              </a:lnSpc>
-              <a:spcBef>
-                <a:spcPts val="0"/>
-              </a:spcBef>
-              <a:spcAft>
-                <a:spcPts val="0"/>
-              </a:spcAft>
-              <a:buClr>
-                <a:schemeClr val="dk1"/>
-              </a:buClr>
-              <a:buSzPts val="1100"/>
-              <a:buFont typeface="Arial"/>
-              <a:buNone/>
-            </a:pPr>
-            <a:endParaRPr sz="2400" b="1" i="0" u="none" strike="noStrike" cap="none">
-              <a:solidFill>
-                <a:srgbClr val="000000"/>
-              </a:solidFill>
-              <a:latin typeface="Century Gothic"/>
-              <a:ea typeface="Century Gothic"/>
-              <a:cs typeface="Century Gothic"/>
-              <a:sym typeface="Century Gothic"/>
-            </a:endParaRPr>
-          </a:p>
-          <a:p>
-            <a:pPr marL="0" marR="0" lvl="0" indent="0" algn="l" rtl="0">
-              <a:lnSpc>
-                <a:spcPct val="100000"/>
-              </a:lnSpc>
-              <a:spcBef>
-                <a:spcPts val="0"/>
-              </a:spcBef>
-              <a:spcAft>
-                <a:spcPts val="0"/>
-              </a:spcAft>
-              <a:buClr>
-                <a:schemeClr val="dk1"/>
-              </a:buClr>
-              <a:buSzPts val="1100"/>
-              <a:buFont typeface="Arial"/>
-              <a:buNone/>
-            </a:pPr>
-            <a:endParaRPr sz="2400" b="1" i="0" u="none" strike="noStrike" cap="none">
-              <a:solidFill>
-                <a:srgbClr val="000000"/>
-              </a:solidFill>
-              <a:latin typeface="Century Gothic"/>
-              <a:ea typeface="Century Gothic"/>
-              <a:cs typeface="Century Gothic"/>
-              <a:sym typeface="Century Gothic"/>
-            </a:endParaRPr>
-          </a:p>
-          <a:p>
-            <a:pPr marL="0" marR="0" lvl="0" indent="0" algn="l" rtl="0">
-              <a:lnSpc>
-                <a:spcPct val="100000"/>
-              </a:lnSpc>
-              <a:spcBef>
-                <a:spcPts val="0"/>
-              </a:spcBef>
-              <a:spcAft>
-                <a:spcPts val="0"/>
-              </a:spcAft>
-              <a:buClr>
-                <a:schemeClr val="dk1"/>
-              </a:buClr>
-              <a:buSzPts val="1100"/>
-              <a:buFont typeface="Arial"/>
-              <a:buNone/>
-            </a:pPr>
-            <a:endParaRPr sz="2400" b="1" i="0" u="none" strike="noStrike" cap="none">
-              <a:solidFill>
-                <a:srgbClr val="000000"/>
-              </a:solidFill>
-              <a:latin typeface="Century Gothic"/>
-              <a:ea typeface="Century Gothic"/>
-              <a:cs typeface="Century Gothic"/>
-              <a:sym typeface="Century Gothic"/>
-            </a:endParaRPr>
-          </a:p>
-          <a:p>
-            <a:pPr marL="0" marR="0" lvl="0" indent="0" algn="l" rtl="0">
-              <a:lnSpc>
-                <a:spcPct val="100000"/>
-              </a:lnSpc>
-              <a:spcBef>
-                <a:spcPts val="0"/>
-              </a:spcBef>
-              <a:spcAft>
-                <a:spcPts val="0"/>
-              </a:spcAft>
-              <a:buClr>
-                <a:schemeClr val="dk1"/>
-              </a:buClr>
-              <a:buSzPts val="1100"/>
-              <a:buFont typeface="Arial"/>
-              <a:buNone/>
-            </a:pPr>
-            <a:endParaRPr sz="2400" b="1" i="0" u="none" strike="noStrike" cap="none">
-              <a:solidFill>
-                <a:srgbClr val="000000"/>
-              </a:solidFill>
-              <a:latin typeface="Century Gothic"/>
-              <a:ea typeface="Century Gothic"/>
-              <a:cs typeface="Century Gothic"/>
-              <a:sym typeface="Century Gothic"/>
-            </a:endParaRPr>
-          </a:p>
-          <a:p>
-            <a:pPr marL="0" marR="0" lvl="0" indent="0" algn="l" rtl="0">
-              <a:lnSpc>
-                <a:spcPct val="100000"/>
-              </a:lnSpc>
-              <a:spcBef>
-                <a:spcPts val="0"/>
-              </a:spcBef>
-              <a:spcAft>
-                <a:spcPts val="0"/>
-              </a:spcAft>
-              <a:buClr>
-                <a:schemeClr val="dk1"/>
-              </a:buClr>
-              <a:buSzPts val="1100"/>
-              <a:buFont typeface="Arial"/>
-              <a:buNone/>
-            </a:pPr>
-            <a:endParaRPr sz="2400" b="1" i="0" u="none" strike="noStrike" cap="none">
-              <a:solidFill>
-                <a:srgbClr val="000000"/>
-              </a:solidFill>
-              <a:latin typeface="Century Gothic"/>
-              <a:ea typeface="Century Gothic"/>
-              <a:cs typeface="Century Gothic"/>
-              <a:sym typeface="Century Gothic"/>
-            </a:endParaRPr>
-          </a:p>
-          <a:p>
-            <a:pPr marL="0" marR="0" lvl="0" indent="0" algn="l" rtl="0">
-              <a:lnSpc>
-                <a:spcPct val="100000"/>
-              </a:lnSpc>
-              <a:spcBef>
-                <a:spcPts val="0"/>
-              </a:spcBef>
-              <a:spcAft>
-                <a:spcPts val="0"/>
-              </a:spcAft>
-              <a:buClr>
-                <a:schemeClr val="dk1"/>
-              </a:buClr>
-              <a:buSzPts val="1100"/>
-              <a:buFont typeface="Arial"/>
-              <a:buNone/>
-            </a:pPr>
-            <a:endParaRPr sz="2400" b="1" i="0" u="none" strike="noStrike" cap="none">
-              <a:solidFill>
-                <a:srgbClr val="000000"/>
-              </a:solidFill>
-              <a:latin typeface="Century Gothic"/>
-              <a:ea typeface="Century Gothic"/>
-              <a:cs typeface="Century Gothic"/>
-              <a:sym typeface="Century Gothic"/>
-            </a:endParaRPr>
-          </a:p>
-          <a:p>
-            <a:pPr marL="0" marR="0" lvl="0" indent="0" algn="l" rtl="0">
-              <a:lnSpc>
-                <a:spcPct val="100000"/>
-              </a:lnSpc>
-              <a:spcBef>
-                <a:spcPts val="0"/>
-              </a:spcBef>
-              <a:spcAft>
-                <a:spcPts val="0"/>
-              </a:spcAft>
-              <a:buClr>
-                <a:schemeClr val="dk1"/>
-              </a:buClr>
-              <a:buSzPts val="1100"/>
-              <a:buFont typeface="Arial"/>
-              <a:buNone/>
-            </a:pPr>
-            <a:endParaRPr sz="2400" b="1" i="0" u="none" strike="noStrike" cap="none">
-              <a:solidFill>
-                <a:srgbClr val="000000"/>
-              </a:solidFill>
-              <a:latin typeface="Century Gothic"/>
-              <a:ea typeface="Century Gothic"/>
-              <a:cs typeface="Century Gothic"/>
-              <a:sym typeface="Century Gothic"/>
-            </a:endParaRPr>
-          </a:p>
-          <a:p>
-            <a:pPr marL="0" marR="0" lvl="0" indent="0" algn="l" rtl="0">
-              <a:lnSpc>
-                <a:spcPct val="100000"/>
-              </a:lnSpc>
-              <a:spcBef>
-                <a:spcPts val="0"/>
-              </a:spcBef>
-              <a:spcAft>
-                <a:spcPts val="0"/>
-              </a:spcAft>
-              <a:buClr>
-                <a:schemeClr val="dk1"/>
-              </a:buClr>
-              <a:buSzPts val="1100"/>
-              <a:buFont typeface="Arial"/>
-              <a:buNone/>
-            </a:pPr>
-            <a:endParaRPr sz="2400" b="1" i="0" u="none" strike="noStrike" cap="none">
-              <a:solidFill>
-                <a:srgbClr val="000000"/>
-              </a:solidFill>
-              <a:latin typeface="Century Gothic"/>
-              <a:ea typeface="Century Gothic"/>
-              <a:cs typeface="Century Gothic"/>
-              <a:sym typeface="Century Gothic"/>
-            </a:endParaRPr>
-          </a:p>
-          <a:p>
-            <a:pPr marL="0" marR="0" lvl="0" indent="0" algn="l" rtl="0">
-              <a:lnSpc>
-                <a:spcPct val="100000"/>
-              </a:lnSpc>
-              <a:spcBef>
-                <a:spcPts val="0"/>
-              </a:spcBef>
-              <a:spcAft>
-                <a:spcPts val="0"/>
-              </a:spcAft>
-              <a:buClr>
-                <a:schemeClr val="dk1"/>
-              </a:buClr>
-              <a:buSzPts val="1100"/>
-              <a:buFont typeface="Arial"/>
-              <a:buNone/>
-            </a:pPr>
-            <a:endParaRPr sz="2400" b="1" i="0" u="none" strike="noStrike" cap="none">
-              <a:solidFill>
-                <a:srgbClr val="000000"/>
-              </a:solidFill>
-              <a:latin typeface="Century Gothic"/>
-              <a:ea typeface="Century Gothic"/>
-              <a:cs typeface="Century Gothic"/>
-              <a:sym typeface="Century Gothic"/>
-            </a:endParaRPr>
-          </a:p>
-          <a:p>
-            <a:pPr marL="0" marR="0" lvl="0" indent="0" algn="l" rtl="0">
-              <a:lnSpc>
-                <a:spcPct val="100000"/>
-              </a:lnSpc>
-              <a:spcBef>
-                <a:spcPts val="0"/>
-              </a:spcBef>
-              <a:spcAft>
-                <a:spcPts val="0"/>
-              </a:spcAft>
-              <a:buClr>
-                <a:schemeClr val="dk1"/>
-              </a:buClr>
-              <a:buSzPts val="1100"/>
-              <a:buFont typeface="Arial"/>
-              <a:buNone/>
-            </a:pPr>
-            <a:endParaRPr sz="2400" b="1" i="0" u="none" strike="noStrike" cap="none">
-              <a:solidFill>
-                <a:srgbClr val="000000"/>
-              </a:solidFill>
-              <a:latin typeface="Arial"/>
-              <a:ea typeface="Arial"/>
-              <a:cs typeface="Arial"/>
-              <a:sym typeface="Arial"/>
-            </a:endParaRPr>
-          </a:p>
-          <a:p>
-            <a:pPr marL="0" marR="0" lvl="0" indent="0" algn="l" rtl="0">
-              <a:lnSpc>
-                <a:spcPct val="100000"/>
-              </a:lnSpc>
-              <a:spcBef>
-                <a:spcPts val="0"/>
-              </a:spcBef>
-              <a:spcAft>
-                <a:spcPts val="0"/>
-              </a:spcAft>
-              <a:buClr>
-                <a:srgbClr val="000000"/>
-              </a:buClr>
-              <a:buSzPts val="2400"/>
-              <a:buFont typeface="Arial"/>
-              <a:buNone/>
-            </a:pPr>
-            <a:endParaRPr sz="2400" b="1" i="0" u="none" strike="noStrike" cap="none">
-              <a:solidFill>
-                <a:srgbClr val="000000"/>
-              </a:solidFill>
-              <a:latin typeface="Arial"/>
-              <a:ea typeface="Arial"/>
-              <a:cs typeface="Arial"/>
-              <a:sym typeface="Arial"/>
-            </a:endParaRPr>
-          </a:p>
-        </p:txBody>
-      </p:sp>
-      <p:sp>
-        <p:nvSpPr>
-          <p:cNvPr id="86" name="Google Shape;86;p16"/>
-          <p:cNvSpPr/>
-          <p:nvPr/>
-        </p:nvSpPr>
-        <p:spPr>
-          <a:xfrm>
-            <a:off x="0" y="0"/>
-            <a:ext cx="765600" cy="2212500"/>
-          </a:xfrm>
-          <a:prstGeom prst="halfFrame">
-            <a:avLst>
-              <a:gd name="adj1" fmla="val 33333"/>
-              <a:gd name="adj2" fmla="val 33333"/>
-            </a:avLst>
-          </a:prstGeom>
-          <a:gradFill>
-            <a:gsLst>
-              <a:gs pos="0">
-                <a:srgbClr val="EA454B"/>
-              </a:gs>
-              <a:gs pos="50000">
-                <a:srgbClr val="FFC02B"/>
-              </a:gs>
-              <a:gs pos="100000">
-                <a:srgbClr val="54AE52"/>
-              </a:gs>
-            </a:gsLst>
-            <a:lin ang="5400012" scaled="0"/>
-          </a:gradFill>
-          <a:ln w="9525" cap="flat" cmpd="sng">
-            <a:solidFill>
-              <a:schemeClr val="dk2"/>
-            </a:solidFill>
-            <a:prstDash val="solid"/>
-            <a:round/>
-            <a:headEnd type="none" w="sm" len="sm"/>
-            <a:tailEnd type="none" w="sm" len="sm"/>
-          </a:ln>
-        </p:spPr>
-        <p:txBody>
-          <a:bodyPr spcFirstLastPara="1" wrap="square" lIns="91425" tIns="91425" rIns="91425" bIns="91425" anchor="ctr" anchorCtr="0">
-            <a:noAutofit/>
-          </a:bodyPr>
-          <a:lstStyle/>
-          <a:p>
-            <a:pPr marL="0" marR="0" lvl="0" indent="0" algn="l" rtl="0">
-              <a:lnSpc>
-                <a:spcPct val="100000"/>
-              </a:lnSpc>
-              <a:spcBef>
-                <a:spcPts val="0"/>
-              </a:spcBef>
-              <a:spcAft>
-                <a:spcPts val="0"/>
-              </a:spcAft>
-              <a:buClr>
-                <a:srgbClr val="000000"/>
-              </a:buClr>
-              <a:buSzPts val="1400"/>
-              <a:buFont typeface="Arial"/>
-              <a:buNone/>
-            </a:pPr>
-            <a:endParaRPr sz="1400" b="0" i="0" u="none" strike="noStrike" cap="none">
-              <a:solidFill>
-                <a:srgbClr val="000000"/>
-              </a:solidFill>
-              <a:latin typeface="Arial"/>
-              <a:ea typeface="Arial"/>
-              <a:cs typeface="Arial"/>
-              <a:sym typeface="Arial"/>
-            </a:endParaRPr>
-          </a:p>
-        </p:txBody>
-      </p:sp>
-      <p:sp>
-        <p:nvSpPr>
-          <p:cNvPr id="87" name="Google Shape;87;p16"/>
-          <p:cNvSpPr/>
-          <p:nvPr/>
-        </p:nvSpPr>
-        <p:spPr>
-          <a:xfrm rot="10800000">
-            <a:off x="8371550" y="2909150"/>
-            <a:ext cx="765600" cy="2212500"/>
-          </a:xfrm>
-          <a:prstGeom prst="halfFrame">
-            <a:avLst>
-              <a:gd name="adj1" fmla="val 33333"/>
-              <a:gd name="adj2" fmla="val 33333"/>
-            </a:avLst>
-          </a:prstGeom>
-          <a:gradFill>
-            <a:gsLst>
-              <a:gs pos="0">
-                <a:srgbClr val="EA454B"/>
-              </a:gs>
-              <a:gs pos="50000">
-                <a:srgbClr val="FFC02B"/>
-              </a:gs>
-              <a:gs pos="100000">
-                <a:srgbClr val="54AE52"/>
-              </a:gs>
-            </a:gsLst>
-            <a:lin ang="5400012" scaled="0"/>
-          </a:gradFill>
-          <a:ln w="9525" cap="flat" cmpd="sng">
-            <a:solidFill>
-              <a:schemeClr val="dk2"/>
-            </a:solidFill>
-            <a:prstDash val="solid"/>
-            <a:round/>
-            <a:headEnd type="none" w="sm" len="sm"/>
-            <a:tailEnd type="none" w="sm" len="sm"/>
-          </a:ln>
-        </p:spPr>
-        <p:txBody>
-          <a:bodyPr spcFirstLastPara="1" wrap="square" lIns="91425" tIns="91425" rIns="91425" bIns="91425" anchor="ctr" anchorCtr="0">
-            <a:noAutofit/>
-          </a:bodyPr>
-          <a:lstStyle/>
-          <a:p>
-            <a:pPr marL="0" marR="0" lvl="0" indent="0" algn="l" rtl="0">
-              <a:lnSpc>
-                <a:spcPct val="100000"/>
-              </a:lnSpc>
-              <a:spcBef>
-                <a:spcPts val="0"/>
-              </a:spcBef>
-              <a:spcAft>
-                <a:spcPts val="0"/>
-              </a:spcAft>
-              <a:buClr>
-                <a:srgbClr val="000000"/>
-              </a:buClr>
-              <a:buSzPts val="1400"/>
-              <a:buFont typeface="Arial"/>
-              <a:buNone/>
-            </a:pPr>
-            <a:endParaRPr sz="1400" b="0" i="0" u="none" strike="noStrike" cap="none">
-              <a:solidFill>
-                <a:srgbClr val="000000"/>
-              </a:solidFill>
-              <a:latin typeface="Arial"/>
-              <a:ea typeface="Arial"/>
-              <a:cs typeface="Arial"/>
-              <a:sym typeface="Arial"/>
-            </a:endParaRPr>
-          </a:p>
-        </p:txBody>
-      </p:sp>
     </p:spTree>
   </p:cSld>
   <p:clrMapOvr>
@@ -12587,7 +11957,7 @@
   <p:cSld>
     <p:spTree>
       <p:nvGrpSpPr>
-        <p:cNvPr id="1" name="Shape 91"/>
+        <p:cNvPr id="1" name="Shape 89"/>
         <p:cNvGrpSpPr/>
         <p:nvPr/>
       </p:nvGrpSpPr>
@@ -12600,268 +11970,6 @@
         </a:xfrm>
       </p:grpSpPr>
     </p:spTree>
-  </p:cSld>
-  <p:clrMapOvr>
-    <a:masterClrMapping/>
-  </p:clrMapOvr>
-</p:sld>
-</file>
-
-<file path=ppt/slides/slide7.xml><?xml version="1.0" encoding="utf-8"?>
-<p:sld xmlns:a="http://schemas.openxmlformats.org/drawingml/2006/main" xmlns:r="http://schemas.openxmlformats.org/officeDocument/2006/relationships" xmlns:p="http://schemas.openxmlformats.org/presentationml/2006/main">
-  <p:cSld>
-    <p:spTree>
-      <p:nvGrpSpPr>
-        <p:cNvPr id="1" name="Shape 73"/>
-        <p:cNvGrpSpPr/>
-        <p:nvPr/>
-      </p:nvGrpSpPr>
-      <p:grpSpPr>
-        <a:xfrm>
-          <a:off x="0" y="0"/>
-          <a:ext cx="0" cy="0"/>
-          <a:chOff x="0" y="0"/>
-          <a:chExt cx="0" cy="0"/>
-        </a:xfrm>
-      </p:grpSpPr>
-      <p:pic>
-        <p:nvPicPr>
-          <p:cNvPr id="74" name="Google Shape;74;p15"/>
-          <p:cNvPicPr preferRelativeResize="0"/>
-          <p:nvPr/>
-        </p:nvPicPr>
-        <p:blipFill rotWithShape="1">
-          <a:blip r:embed="rId3">
-            <a:alphaModFix/>
-          </a:blip>
-          <a:srcRect/>
-          <a:stretch/>
-        </p:blipFill>
-        <p:spPr>
-          <a:xfrm>
-            <a:off x="979125" y="214125"/>
-            <a:ext cx="1659648" cy="1106775"/>
-          </a:xfrm>
-          <a:prstGeom prst="rect">
-            <a:avLst/>
-          </a:prstGeom>
-          <a:noFill/>
-          <a:ln>
-            <a:noFill/>
-          </a:ln>
-        </p:spPr>
-      </p:pic>
-      <p:sp>
-        <p:nvSpPr>
-          <p:cNvPr id="75" name="Google Shape;75;p15"/>
-          <p:cNvSpPr/>
-          <p:nvPr/>
-        </p:nvSpPr>
-        <p:spPr>
-          <a:xfrm>
-            <a:off x="0" y="0"/>
-            <a:ext cx="765600" cy="2212500"/>
-          </a:xfrm>
-          <a:prstGeom prst="halfFrame">
-            <a:avLst>
-              <a:gd name="adj1" fmla="val 33333"/>
-              <a:gd name="adj2" fmla="val 33333"/>
-            </a:avLst>
-          </a:prstGeom>
-          <a:gradFill>
-            <a:gsLst>
-              <a:gs pos="0">
-                <a:srgbClr val="EA454B"/>
-              </a:gs>
-              <a:gs pos="50000">
-                <a:srgbClr val="FFC02B"/>
-              </a:gs>
-              <a:gs pos="100000">
-                <a:srgbClr val="54AE52"/>
-              </a:gs>
-            </a:gsLst>
-            <a:lin ang="5400012" scaled="0"/>
-          </a:gradFill>
-          <a:ln w="9525" cap="flat" cmpd="sng">
-            <a:solidFill>
-              <a:schemeClr val="dk2"/>
-            </a:solidFill>
-            <a:prstDash val="solid"/>
-            <a:round/>
-            <a:headEnd type="none" w="sm" len="sm"/>
-            <a:tailEnd type="none" w="sm" len="sm"/>
-          </a:ln>
-        </p:spPr>
-        <p:txBody>
-          <a:bodyPr spcFirstLastPara="1" wrap="square" lIns="91425" tIns="91425" rIns="91425" bIns="91425" anchor="ctr" anchorCtr="0">
-            <a:noAutofit/>
-          </a:bodyPr>
-          <a:lstStyle/>
-          <a:p>
-            <a:pPr marL="0" marR="0" lvl="0" indent="0" algn="l" rtl="0">
-              <a:lnSpc>
-                <a:spcPct val="100000"/>
-              </a:lnSpc>
-              <a:spcBef>
-                <a:spcPts val="0"/>
-              </a:spcBef>
-              <a:spcAft>
-                <a:spcPts val="0"/>
-              </a:spcAft>
-              <a:buClr>
-                <a:srgbClr val="000000"/>
-              </a:buClr>
-              <a:buSzPts val="1400"/>
-              <a:buFont typeface="Arial"/>
-              <a:buNone/>
-            </a:pPr>
-            <a:endParaRPr sz="1400" b="0" i="0" u="none" strike="noStrike" cap="none">
-              <a:solidFill>
-                <a:srgbClr val="000000"/>
-              </a:solidFill>
-              <a:latin typeface="Arial"/>
-              <a:ea typeface="Arial"/>
-              <a:cs typeface="Arial"/>
-              <a:sym typeface="Arial"/>
-            </a:endParaRPr>
-          </a:p>
-        </p:txBody>
-      </p:sp>
-      <p:sp>
-        <p:nvSpPr>
-          <p:cNvPr id="76" name="Google Shape;76;p15"/>
-          <p:cNvSpPr/>
-          <p:nvPr/>
-        </p:nvSpPr>
-        <p:spPr>
-          <a:xfrm rot="10800000">
-            <a:off x="8371550" y="2909150"/>
-            <a:ext cx="765600" cy="2212500"/>
-          </a:xfrm>
-          <a:prstGeom prst="halfFrame">
-            <a:avLst>
-              <a:gd name="adj1" fmla="val 33333"/>
-              <a:gd name="adj2" fmla="val 33333"/>
-            </a:avLst>
-          </a:prstGeom>
-          <a:gradFill>
-            <a:gsLst>
-              <a:gs pos="0">
-                <a:srgbClr val="EA454B"/>
-              </a:gs>
-              <a:gs pos="50000">
-                <a:srgbClr val="FFC02B"/>
-              </a:gs>
-              <a:gs pos="100000">
-                <a:srgbClr val="54AE52"/>
-              </a:gs>
-            </a:gsLst>
-            <a:lin ang="5400012" scaled="0"/>
-          </a:gradFill>
-          <a:ln w="9525" cap="flat" cmpd="sng">
-            <a:solidFill>
-              <a:schemeClr val="dk2"/>
-            </a:solidFill>
-            <a:prstDash val="solid"/>
-            <a:round/>
-            <a:headEnd type="none" w="sm" len="sm"/>
-            <a:tailEnd type="none" w="sm" len="sm"/>
-          </a:ln>
-        </p:spPr>
-        <p:txBody>
-          <a:bodyPr spcFirstLastPara="1" wrap="square" lIns="91425" tIns="91425" rIns="91425" bIns="91425" anchor="ctr" anchorCtr="0">
-            <a:noAutofit/>
-          </a:bodyPr>
-          <a:lstStyle/>
-          <a:p>
-            <a:pPr marL="0" marR="0" lvl="0" indent="0" algn="l" rtl="0">
-              <a:lnSpc>
-                <a:spcPct val="100000"/>
-              </a:lnSpc>
-              <a:spcBef>
-                <a:spcPts val="0"/>
-              </a:spcBef>
-              <a:spcAft>
-                <a:spcPts val="0"/>
-              </a:spcAft>
-              <a:buClr>
-                <a:srgbClr val="000000"/>
-              </a:buClr>
-              <a:buSzPts val="1400"/>
-              <a:buFont typeface="Arial"/>
-              <a:buNone/>
-            </a:pPr>
-            <a:endParaRPr sz="1400" b="0" i="0" u="none" strike="noStrike" cap="none">
-              <a:solidFill>
-                <a:srgbClr val="000000"/>
-              </a:solidFill>
-              <a:latin typeface="Arial"/>
-              <a:ea typeface="Arial"/>
-              <a:cs typeface="Arial"/>
-              <a:sym typeface="Arial"/>
-            </a:endParaRPr>
-          </a:p>
-        </p:txBody>
-      </p:sp>
-      <p:sp>
-        <p:nvSpPr>
-          <p:cNvPr id="77" name="Google Shape;77;p15"/>
-          <p:cNvSpPr txBox="1"/>
-          <p:nvPr/>
-        </p:nvSpPr>
-        <p:spPr>
-          <a:xfrm>
-            <a:off x="2615374" y="2063750"/>
-            <a:ext cx="3913252" cy="1092607"/>
-          </a:xfrm>
-          <a:prstGeom prst="rect">
-            <a:avLst/>
-          </a:prstGeom>
-          <a:noFill/>
-          <a:ln>
-            <a:noFill/>
-          </a:ln>
-        </p:spPr>
-        <p:txBody>
-          <a:bodyPr spcFirstLastPara="1" wrap="square" lIns="91425" tIns="45700" rIns="91425" bIns="45700" anchor="t" anchorCtr="0">
-            <a:spAutoFit/>
-          </a:bodyPr>
-          <a:lstStyle/>
-          <a:p>
-            <a:pPr marL="0" marR="0" lvl="0" indent="0" algn="ctr" rtl="0">
-              <a:lnSpc>
-                <a:spcPct val="100000"/>
-              </a:lnSpc>
-              <a:spcBef>
-                <a:spcPts val="0"/>
-              </a:spcBef>
-              <a:spcAft>
-                <a:spcPts val="0"/>
-              </a:spcAft>
-              <a:buNone/>
-            </a:pPr>
-            <a:r>
-              <a:rPr lang="en-IN" sz="6500" b="1" i="1" u="none" strike="noStrike" cap="none">
-                <a:solidFill>
-                  <a:srgbClr val="FF0000"/>
-                </a:solidFill>
-                <a:latin typeface="Times New Roman"/>
-                <a:ea typeface="Times New Roman"/>
-                <a:cs typeface="Times New Roman"/>
-                <a:sym typeface="Times New Roman"/>
-              </a:rPr>
-              <a:t>Thank you</a:t>
-            </a:r>
-            <a:endParaRPr/>
-          </a:p>
-        </p:txBody>
-      </p:sp>
-    </p:spTree>
-    <p:extLst>
-      <p:ext uri="{BB962C8B-B14F-4D97-AF65-F5344CB8AC3E}">
-        <p14:creationId xmlns:p14="http://schemas.microsoft.com/office/powerpoint/2010/main" val="3951945398"/>
-      </p:ext>
-    </p:extLst>
   </p:cSld>
   <p:clrMapOvr>
     <a:masterClrMapping/>
